--- a/My_laboratory/My_laboratory.pptx
+++ b/My_laboratory/My_laboratory.pptx
@@ -11,13 +11,8 @@
     <p:sldId id="266" r:id="rId5"/>
     <p:sldId id="260" r:id="rId6"/>
     <p:sldId id="270" r:id="rId7"/>
-    <p:sldId id="261" r:id="rId8"/>
-    <p:sldId id="262" r:id="rId9"/>
-    <p:sldId id="271" r:id="rId10"/>
-    <p:sldId id="263" r:id="rId11"/>
-    <p:sldId id="267" r:id="rId12"/>
-    <p:sldId id="264" r:id="rId13"/>
-    <p:sldId id="265" r:id="rId14"/>
+    <p:sldId id="264" r:id="rId8"/>
+    <p:sldId id="265" r:id="rId9"/>
   </p:sldIdLst>
   <p:sldSz cx="12192000" cy="6858000"/>
   <p:notesSz cx="6858000" cy="9144000"/>
@@ -118,7 +113,7 @@
   </p:defaultTextStyle>
   <p:extLst>
     <p:ext uri="{EFAFB233-063F-42B5-8137-9DF3F51BA10A}">
-      <p15:sldGuideLst xmlns:p15="http://schemas.microsoft.com/office/powerpoint/2012/main">
+      <p15:sldGuideLst xmlns="" xmlns:p15="http://schemas.microsoft.com/office/powerpoint/2012/main">
         <p15:guide id="1" orient="horz" pos="2160">
           <p15:clr>
             <a:srgbClr val="A4A3A4"/>
@@ -857,7 +852,7 @@
           <a:p>
             <a:fld id="{252F7152-2E34-4CF8-96E1-9C0B6BE1AFF1}" type="datetimeFigureOut">
               <a:rPr lang="ru-RU" smtClean="0"/>
-              <a:t>17.04.2015</a:t>
+              <a:t>19.04.2015</a:t>
             </a:fld>
             <a:endParaRPr lang="ru-RU"/>
           </a:p>
@@ -1108,7 +1103,7 @@
           <a:p>
             <a:fld id="{252F7152-2E34-4CF8-96E1-9C0B6BE1AFF1}" type="datetimeFigureOut">
               <a:rPr lang="ru-RU" smtClean="0"/>
-              <a:t>17.04.2015</a:t>
+              <a:t>19.04.2015</a:t>
             </a:fld>
             <a:endParaRPr lang="ru-RU"/>
           </a:p>
@@ -1422,7 +1417,7 @@
           <a:p>
             <a:fld id="{252F7152-2E34-4CF8-96E1-9C0B6BE1AFF1}" type="datetimeFigureOut">
               <a:rPr lang="ru-RU" smtClean="0"/>
-              <a:t>17.04.2015</a:t>
+              <a:t>19.04.2015</a:t>
             </a:fld>
             <a:endParaRPr lang="ru-RU"/>
           </a:p>
@@ -1763,7 +1758,7 @@
           <a:p>
             <a:fld id="{252F7152-2E34-4CF8-96E1-9C0B6BE1AFF1}" type="datetimeFigureOut">
               <a:rPr lang="ru-RU" smtClean="0"/>
-              <a:t>17.04.2015</a:t>
+              <a:t>19.04.2015</a:t>
             </a:fld>
             <a:endParaRPr lang="ru-RU"/>
           </a:p>
@@ -2077,7 +2072,7 @@
           <a:p>
             <a:fld id="{252F7152-2E34-4CF8-96E1-9C0B6BE1AFF1}" type="datetimeFigureOut">
               <a:rPr lang="ru-RU" smtClean="0"/>
-              <a:t>17.04.2015</a:t>
+              <a:t>19.04.2015</a:t>
             </a:fld>
             <a:endParaRPr lang="ru-RU"/>
           </a:p>
@@ -2470,7 +2465,7 @@
           <a:p>
             <a:fld id="{252F7152-2E34-4CF8-96E1-9C0B6BE1AFF1}" type="datetimeFigureOut">
               <a:rPr lang="ru-RU" smtClean="0"/>
-              <a:t>17.04.2015</a:t>
+              <a:t>19.04.2015</a:t>
             </a:fld>
             <a:endParaRPr lang="ru-RU"/>
           </a:p>
@@ -2640,7 +2635,7 @@
           <a:p>
             <a:fld id="{252F7152-2E34-4CF8-96E1-9C0B6BE1AFF1}" type="datetimeFigureOut">
               <a:rPr lang="ru-RU" smtClean="0"/>
-              <a:t>17.04.2015</a:t>
+              <a:t>19.04.2015</a:t>
             </a:fld>
             <a:endParaRPr lang="ru-RU"/>
           </a:p>
@@ -2820,7 +2815,7 @@
           <a:p>
             <a:fld id="{252F7152-2E34-4CF8-96E1-9C0B6BE1AFF1}" type="datetimeFigureOut">
               <a:rPr lang="ru-RU" smtClean="0"/>
-              <a:t>17.04.2015</a:t>
+              <a:t>19.04.2015</a:t>
             </a:fld>
             <a:endParaRPr lang="ru-RU"/>
           </a:p>
@@ -2996,7 +2991,7 @@
           <a:p>
             <a:fld id="{252F7152-2E34-4CF8-96E1-9C0B6BE1AFF1}" type="datetimeFigureOut">
               <a:rPr lang="ru-RU" smtClean="0"/>
-              <a:t>17.04.2015</a:t>
+              <a:t>19.04.2015</a:t>
             </a:fld>
             <a:endParaRPr lang="ru-RU"/>
           </a:p>
@@ -3243,7 +3238,7 @@
           <a:p>
             <a:fld id="{252F7152-2E34-4CF8-96E1-9C0B6BE1AFF1}" type="datetimeFigureOut">
               <a:rPr lang="ru-RU" smtClean="0"/>
-              <a:t>17.04.2015</a:t>
+              <a:t>19.04.2015</a:t>
             </a:fld>
             <a:endParaRPr lang="ru-RU"/>
           </a:p>
@@ -3475,7 +3470,7 @@
           <a:p>
             <a:fld id="{252F7152-2E34-4CF8-96E1-9C0B6BE1AFF1}" type="datetimeFigureOut">
               <a:rPr lang="ru-RU" smtClean="0"/>
-              <a:t>17.04.2015</a:t>
+              <a:t>19.04.2015</a:t>
             </a:fld>
             <a:endParaRPr lang="ru-RU"/>
           </a:p>
@@ -3849,7 +3844,7 @@
           <a:p>
             <a:fld id="{252F7152-2E34-4CF8-96E1-9C0B6BE1AFF1}" type="datetimeFigureOut">
               <a:rPr lang="ru-RU" smtClean="0"/>
-              <a:t>17.04.2015</a:t>
+              <a:t>19.04.2015</a:t>
             </a:fld>
             <a:endParaRPr lang="ru-RU"/>
           </a:p>
@@ -3972,7 +3967,7 @@
           <a:p>
             <a:fld id="{252F7152-2E34-4CF8-96E1-9C0B6BE1AFF1}" type="datetimeFigureOut">
               <a:rPr lang="ru-RU" smtClean="0"/>
-              <a:t>17.04.2015</a:t>
+              <a:t>19.04.2015</a:t>
             </a:fld>
             <a:endParaRPr lang="ru-RU"/>
           </a:p>
@@ -4067,7 +4062,7 @@
           <a:p>
             <a:fld id="{252F7152-2E34-4CF8-96E1-9C0B6BE1AFF1}" type="datetimeFigureOut">
               <a:rPr lang="ru-RU" smtClean="0"/>
-              <a:t>17.04.2015</a:t>
+              <a:t>19.04.2015</a:t>
             </a:fld>
             <a:endParaRPr lang="ru-RU"/>
           </a:p>
@@ -4322,7 +4317,7 @@
           <a:p>
             <a:fld id="{252F7152-2E34-4CF8-96E1-9C0B6BE1AFF1}" type="datetimeFigureOut">
               <a:rPr lang="ru-RU" smtClean="0"/>
-              <a:t>17.04.2015</a:t>
+              <a:t>19.04.2015</a:t>
             </a:fld>
             <a:endParaRPr lang="ru-RU"/>
           </a:p>
@@ -4585,7 +4580,7 @@
           <a:p>
             <a:fld id="{252F7152-2E34-4CF8-96E1-9C0B6BE1AFF1}" type="datetimeFigureOut">
               <a:rPr lang="ru-RU" smtClean="0"/>
-              <a:t>17.04.2015</a:t>
+              <a:t>19.04.2015</a:t>
             </a:fld>
             <a:endParaRPr lang="ru-RU"/>
           </a:p>
@@ -5328,7 +5323,7 @@
           <a:p>
             <a:fld id="{252F7152-2E34-4CF8-96E1-9C0B6BE1AFF1}" type="datetimeFigureOut">
               <a:rPr lang="ru-RU" smtClean="0"/>
-              <a:t>17.04.2015</a:t>
+              <a:t>19.04.2015</a:t>
             </a:fld>
             <a:endParaRPr lang="ru-RU"/>
           </a:p>
@@ -5944,15 +5939,7 @@
             </a:r>
             <a:r>
               <a:rPr lang="en-US" dirty="0" smtClean="0"/>
-              <a:t>20</a:t>
-            </a:r>
-            <a:r>
-              <a:rPr lang="en-US" dirty="0" smtClean="0"/>
-              <a:t> </a:t>
-            </a:r>
-            <a:r>
-              <a:rPr lang="en-US" dirty="0" smtClean="0"/>
-              <a:t>April 2015</a:t>
+              <a:t>20 April 2015</a:t>
             </a:r>
           </a:p>
           <a:p>
@@ -5968,484 +5955,6 @@
     <p:extLst>
       <p:ext uri="{BB962C8B-B14F-4D97-AF65-F5344CB8AC3E}">
         <p14:creationId xmlns:p14="http://schemas.microsoft.com/office/powerpoint/2010/main" val="3818327191"/>
-      </p:ext>
-    </p:extLst>
-  </p:cSld>
-  <p:clrMapOvr>
-    <a:masterClrMapping/>
-  </p:clrMapOvr>
-  <p:timing>
-    <p:tnLst>
-      <p:par>
-        <p:cTn id="1" dur="indefinite" restart="never" nodeType="tmRoot"/>
-      </p:par>
-    </p:tnLst>
-  </p:timing>
-</p:sld>
-</file>
-
-<file path=ppt/slides/slide10.xml><?xml version="1.0" encoding="utf-8"?>
-<p:sld xmlns:a="http://schemas.openxmlformats.org/drawingml/2006/main" xmlns:r="http://schemas.openxmlformats.org/officeDocument/2006/relationships" xmlns:p="http://schemas.openxmlformats.org/presentationml/2006/main">
-  <p:cSld>
-    <p:spTree>
-      <p:nvGrpSpPr>
-        <p:cNvPr id="1" name=""/>
-        <p:cNvGrpSpPr/>
-        <p:nvPr/>
-      </p:nvGrpSpPr>
-      <p:grpSpPr>
-        <a:xfrm>
-          <a:off x="0" y="0"/>
-          <a:ext cx="0" cy="0"/>
-          <a:chOff x="0" y="0"/>
-          <a:chExt cx="0" cy="0"/>
-        </a:xfrm>
-      </p:grpSpPr>
-      <p:sp>
-        <p:nvSpPr>
-          <p:cNvPr id="2" name="Заголовок 1"/>
-          <p:cNvSpPr>
-            <a:spLocks noGrp="1"/>
-          </p:cNvSpPr>
-          <p:nvPr>
-            <p:ph type="title"/>
-          </p:nvPr>
-        </p:nvSpPr>
-        <p:spPr/>
-        <p:txBody>
-          <a:bodyPr/>
-          <a:lstStyle/>
-          <a:p>
-            <a:pPr algn="ctr"/>
-            <a:r>
-              <a:rPr lang="en-US" dirty="0"/>
-              <a:t>Prospective Methods: what might happen?</a:t>
-            </a:r>
-            <a:endParaRPr lang="ru-RU" dirty="0"/>
-          </a:p>
-        </p:txBody>
-      </p:sp>
-      <p:pic>
-        <p:nvPicPr>
-          <p:cNvPr id="4" name="Рисунок 3"/>
-          <p:cNvPicPr>
-            <a:picLocks noChangeAspect="1"/>
-          </p:cNvPicPr>
-          <p:nvPr/>
-        </p:nvPicPr>
-        <p:blipFill>
-          <a:blip r:embed="rId2"/>
-          <a:stretch>
-            <a:fillRect/>
-          </a:stretch>
-        </p:blipFill>
-        <p:spPr>
-          <a:xfrm>
-            <a:off x="1541707" y="1930400"/>
-            <a:ext cx="7248525" cy="4638675"/>
-          </a:xfrm>
-          <a:prstGeom prst="rect">
-            <a:avLst/>
-          </a:prstGeom>
-        </p:spPr>
-      </p:pic>
-    </p:spTree>
-    <p:extLst>
-      <p:ext uri="{BB962C8B-B14F-4D97-AF65-F5344CB8AC3E}">
-        <p14:creationId xmlns:p14="http://schemas.microsoft.com/office/powerpoint/2010/main" val="2269226001"/>
-      </p:ext>
-    </p:extLst>
-  </p:cSld>
-  <p:clrMapOvr>
-    <a:masterClrMapping/>
-  </p:clrMapOvr>
-  <p:timing>
-    <p:tnLst>
-      <p:par>
-        <p:cTn id="1" dur="indefinite" restart="never" nodeType="tmRoot"/>
-      </p:par>
-    </p:tnLst>
-  </p:timing>
-</p:sld>
-</file>
-
-<file path=ppt/slides/slide11.xml><?xml version="1.0" encoding="utf-8"?>
-<p:sld xmlns:a="http://schemas.openxmlformats.org/drawingml/2006/main" xmlns:r="http://schemas.openxmlformats.org/officeDocument/2006/relationships" xmlns:p="http://schemas.openxmlformats.org/presentationml/2006/main">
-  <p:cSld>
-    <p:spTree>
-      <p:nvGrpSpPr>
-        <p:cNvPr id="1" name=""/>
-        <p:cNvGrpSpPr/>
-        <p:nvPr/>
-      </p:nvGrpSpPr>
-      <p:grpSpPr>
-        <a:xfrm>
-          <a:off x="0" y="0"/>
-          <a:ext cx="0" cy="0"/>
-          <a:chOff x="0" y="0"/>
-          <a:chExt cx="0" cy="0"/>
-        </a:xfrm>
-      </p:grpSpPr>
-      <p:sp>
-        <p:nvSpPr>
-          <p:cNvPr id="2" name="Заголовок 1"/>
-          <p:cNvSpPr>
-            <a:spLocks noGrp="1"/>
-          </p:cNvSpPr>
-          <p:nvPr>
-            <p:ph type="title"/>
-          </p:nvPr>
-        </p:nvSpPr>
-        <p:spPr/>
-        <p:txBody>
-          <a:bodyPr/>
-          <a:lstStyle/>
-          <a:p>
-            <a:pPr algn="ctr"/>
-            <a:r>
-              <a:rPr lang="en-US" dirty="0" smtClean="0"/>
-              <a:t>Three </a:t>
-            </a:r>
-            <a:r>
-              <a:rPr lang="en-US" dirty="0"/>
-              <a:t>ways of development the DXA</a:t>
-            </a:r>
-            <a:endParaRPr lang="ru-RU" dirty="0"/>
-          </a:p>
-        </p:txBody>
-      </p:sp>
-      <p:sp>
-        <p:nvSpPr>
-          <p:cNvPr id="3" name="TextBox 2"/>
-          <p:cNvSpPr txBox="1"/>
-          <p:nvPr/>
-        </p:nvSpPr>
-        <p:spPr>
-          <a:xfrm>
-            <a:off x="1101968" y="2203938"/>
-            <a:ext cx="5861539" cy="3139321"/>
-          </a:xfrm>
-          <a:prstGeom prst="rect">
-            <a:avLst/>
-          </a:prstGeom>
-          <a:noFill/>
-        </p:spPr>
-        <p:txBody>
-          <a:bodyPr wrap="square" rtlCol="0">
-            <a:spAutoFit/>
-          </a:bodyPr>
-          <a:lstStyle/>
-          <a:p>
-            <a:r>
-              <a:rPr lang="en-US" dirty="0" smtClean="0"/>
-              <a:t>Scenario 1</a:t>
-            </a:r>
-          </a:p>
-          <a:p>
-            <a:r>
-              <a:rPr lang="en-US" dirty="0" smtClean="0"/>
-              <a:t>We will use the </a:t>
-            </a:r>
-            <a:r>
-              <a:rPr lang="en-US" dirty="0" err="1" smtClean="0"/>
-              <a:t>CdTe</a:t>
-            </a:r>
-            <a:r>
-              <a:rPr lang="en-US" dirty="0" smtClean="0"/>
-              <a:t> detector with the good energy resolution and  low emission time</a:t>
-            </a:r>
-          </a:p>
-          <a:p>
-            <a:endParaRPr lang="en-US" dirty="0"/>
-          </a:p>
-          <a:p>
-            <a:r>
-              <a:rPr lang="en-US" dirty="0"/>
-              <a:t>Scenario </a:t>
-            </a:r>
-            <a:r>
-              <a:rPr lang="en-US" dirty="0" smtClean="0"/>
-              <a:t>2</a:t>
-            </a:r>
-            <a:endParaRPr lang="en-US" dirty="0"/>
-          </a:p>
-          <a:p>
-            <a:r>
-              <a:rPr lang="en-US" dirty="0"/>
-              <a:t>We will </a:t>
-            </a:r>
-            <a:r>
-              <a:rPr lang="en-US" dirty="0" smtClean="0"/>
-              <a:t>use the </a:t>
-            </a:r>
-            <a:r>
-              <a:rPr lang="en-US" dirty="0" err="1" smtClean="0"/>
-              <a:t>SiPM</a:t>
-            </a:r>
-            <a:r>
-              <a:rPr lang="en-US" dirty="0" smtClean="0"/>
-              <a:t>-scintillator detector with the worse energy </a:t>
-            </a:r>
-            <a:r>
-              <a:rPr lang="en-US" dirty="0"/>
-              <a:t>resolution </a:t>
-            </a:r>
-            <a:r>
-              <a:rPr lang="en-US" dirty="0" smtClean="0"/>
-              <a:t>but shorter emission time</a:t>
-            </a:r>
-          </a:p>
-          <a:p>
-            <a:endParaRPr lang="en-US" dirty="0"/>
-          </a:p>
-          <a:p>
-            <a:r>
-              <a:rPr lang="en-US" dirty="0"/>
-              <a:t>Scenario </a:t>
-            </a:r>
-            <a:r>
-              <a:rPr lang="en-US" dirty="0" smtClean="0"/>
-              <a:t>3</a:t>
-            </a:r>
-            <a:endParaRPr lang="en-US" dirty="0"/>
-          </a:p>
-          <a:p>
-            <a:r>
-              <a:rPr lang="en-US" dirty="0"/>
-              <a:t>We will use the </a:t>
-            </a:r>
-            <a:r>
-              <a:rPr lang="en-US" dirty="0" smtClean="0"/>
-              <a:t>combination of these detectors</a:t>
-            </a:r>
-            <a:endParaRPr lang="en-US" dirty="0"/>
-          </a:p>
-          <a:p>
-            <a:endParaRPr lang="ru-RU" dirty="0"/>
-          </a:p>
-        </p:txBody>
-      </p:sp>
-    </p:spTree>
-    <p:extLst>
-      <p:ext uri="{BB962C8B-B14F-4D97-AF65-F5344CB8AC3E}">
-        <p14:creationId xmlns:p14="http://schemas.microsoft.com/office/powerpoint/2010/main" val="2455233009"/>
-      </p:ext>
-    </p:extLst>
-  </p:cSld>
-  <p:clrMapOvr>
-    <a:masterClrMapping/>
-  </p:clrMapOvr>
-  <p:timing>
-    <p:tnLst>
-      <p:par>
-        <p:cTn id="1" dur="indefinite" restart="never" nodeType="tmRoot"/>
-      </p:par>
-    </p:tnLst>
-  </p:timing>
-</p:sld>
-</file>
-
-<file path=ppt/slides/slide12.xml><?xml version="1.0" encoding="utf-8"?>
-<p:sld xmlns:a="http://schemas.openxmlformats.org/drawingml/2006/main" xmlns:r="http://schemas.openxmlformats.org/officeDocument/2006/relationships" xmlns:p="http://schemas.openxmlformats.org/presentationml/2006/main">
-  <p:cSld>
-    <p:spTree>
-      <p:nvGrpSpPr>
-        <p:cNvPr id="1" name=""/>
-        <p:cNvGrpSpPr/>
-        <p:nvPr/>
-      </p:nvGrpSpPr>
-      <p:grpSpPr>
-        <a:xfrm>
-          <a:off x="0" y="0"/>
-          <a:ext cx="0" cy="0"/>
-          <a:chOff x="0" y="0"/>
-          <a:chExt cx="0" cy="0"/>
-        </a:xfrm>
-      </p:grpSpPr>
-      <p:sp>
-        <p:nvSpPr>
-          <p:cNvPr id="2" name="Заголовок 1"/>
-          <p:cNvSpPr>
-            <a:spLocks noGrp="1"/>
-          </p:cNvSpPr>
-          <p:nvPr>
-            <p:ph type="title"/>
-          </p:nvPr>
-        </p:nvSpPr>
-        <p:spPr/>
-        <p:txBody>
-          <a:bodyPr/>
-          <a:lstStyle/>
-          <a:p>
-            <a:pPr algn="ctr"/>
-            <a:r>
-              <a:rPr lang="en-US" dirty="0"/>
-              <a:t>Concluding Comments</a:t>
-            </a:r>
-            <a:endParaRPr lang="ru-RU" dirty="0"/>
-          </a:p>
-        </p:txBody>
-      </p:sp>
-      <p:pic>
-        <p:nvPicPr>
-          <p:cNvPr id="4" name="Content Placeholder 4"/>
-          <p:cNvPicPr>
-            <a:picLocks noGrp="1" noChangeAspect="1"/>
-          </p:cNvPicPr>
-          <p:nvPr>
-            <p:ph sz="half" idx="4294967295"/>
-          </p:nvPr>
-        </p:nvPicPr>
-        <p:blipFill>
-          <a:blip r:embed="rId2">
-            <a:extLst>
-              <a:ext uri="{28A0092B-C50C-407E-A947-70E740481C1C}">
-                <a14:useLocalDpi xmlns:a14="http://schemas.microsoft.com/office/drawing/2010/main" val="0"/>
-              </a:ext>
-            </a:extLst>
-          </a:blip>
-          <a:stretch>
-            <a:fillRect/>
-          </a:stretch>
-        </p:blipFill>
-        <p:spPr>
-          <a:xfrm>
-            <a:off x="2918604" y="1397210"/>
-            <a:ext cx="3886200" cy="2914651"/>
-          </a:xfrm>
-          <a:prstGeom prst="rect">
-            <a:avLst/>
-          </a:prstGeom>
-        </p:spPr>
-      </p:pic>
-      <p:sp>
-        <p:nvSpPr>
-          <p:cNvPr id="3" name="Прямоугольник 2"/>
-          <p:cNvSpPr/>
-          <p:nvPr/>
-        </p:nvSpPr>
-        <p:spPr>
-          <a:xfrm>
-            <a:off x="744166" y="4774032"/>
-            <a:ext cx="5798382" cy="369332"/>
-          </a:xfrm>
-          <a:prstGeom prst="rect">
-            <a:avLst/>
-          </a:prstGeom>
-        </p:spPr>
-        <p:txBody>
-          <a:bodyPr wrap="none">
-            <a:spAutoFit/>
-          </a:bodyPr>
-          <a:lstStyle/>
-          <a:p>
-            <a:r>
-              <a:rPr lang="en-US" dirty="0"/>
-              <a:t>I have examined the application of foresight methods </a:t>
-            </a:r>
-            <a:endParaRPr lang="ru-RU" dirty="0"/>
-          </a:p>
-        </p:txBody>
-      </p:sp>
-      <p:sp>
-        <p:nvSpPr>
-          <p:cNvPr id="5" name="Прямоугольник 4"/>
-          <p:cNvSpPr/>
-          <p:nvPr/>
-        </p:nvSpPr>
-        <p:spPr>
-          <a:xfrm>
-            <a:off x="744166" y="5261141"/>
-            <a:ext cx="3735318" cy="369332"/>
-          </a:xfrm>
-          <a:prstGeom prst="rect">
-            <a:avLst/>
-          </a:prstGeom>
-        </p:spPr>
-        <p:txBody>
-          <a:bodyPr wrap="none">
-            <a:spAutoFit/>
-          </a:bodyPr>
-          <a:lstStyle/>
-          <a:p>
-            <a:r>
-              <a:rPr lang="en-US" dirty="0"/>
-              <a:t>This work really was useful for me</a:t>
-            </a:r>
-            <a:endParaRPr lang="ru-RU" dirty="0"/>
-          </a:p>
-        </p:txBody>
-      </p:sp>
-    </p:spTree>
-    <p:extLst>
-      <p:ext uri="{BB962C8B-B14F-4D97-AF65-F5344CB8AC3E}">
-        <p14:creationId xmlns:p14="http://schemas.microsoft.com/office/powerpoint/2010/main" val="633993582"/>
-      </p:ext>
-    </p:extLst>
-  </p:cSld>
-  <p:clrMapOvr>
-    <a:masterClrMapping/>
-  </p:clrMapOvr>
-  <p:timing>
-    <p:tnLst>
-      <p:par>
-        <p:cTn id="1" dur="indefinite" restart="never" nodeType="tmRoot"/>
-      </p:par>
-    </p:tnLst>
-  </p:timing>
-</p:sld>
-</file>
-
-<file path=ppt/slides/slide13.xml><?xml version="1.0" encoding="utf-8"?>
-<p:sld xmlns:a="http://schemas.openxmlformats.org/drawingml/2006/main" xmlns:r="http://schemas.openxmlformats.org/officeDocument/2006/relationships" xmlns:p="http://schemas.openxmlformats.org/presentationml/2006/main">
-  <p:cSld>
-    <p:spTree>
-      <p:nvGrpSpPr>
-        <p:cNvPr id="1" name=""/>
-        <p:cNvGrpSpPr/>
-        <p:nvPr/>
-      </p:nvGrpSpPr>
-      <p:grpSpPr>
-        <a:xfrm>
-          <a:off x="0" y="0"/>
-          <a:ext cx="0" cy="0"/>
-          <a:chOff x="0" y="0"/>
-          <a:chExt cx="0" cy="0"/>
-        </a:xfrm>
-      </p:grpSpPr>
-      <p:sp>
-        <p:nvSpPr>
-          <p:cNvPr id="2" name="Заголовок 1"/>
-          <p:cNvSpPr>
-            <a:spLocks noGrp="1"/>
-          </p:cNvSpPr>
-          <p:nvPr>
-            <p:ph type="title"/>
-          </p:nvPr>
-        </p:nvSpPr>
-        <p:spPr>
-          <a:xfrm>
-            <a:off x="669518" y="2149230"/>
-            <a:ext cx="8596668" cy="1320800"/>
-          </a:xfrm>
-        </p:spPr>
-        <p:txBody>
-          <a:bodyPr/>
-          <a:lstStyle/>
-          <a:p>
-            <a:pPr algn="ctr"/>
-            <a:r>
-              <a:rPr lang="en-US" dirty="0" smtClean="0"/>
-              <a:t>Thank you for your attention!</a:t>
-            </a:r>
-            <a:endParaRPr lang="ru-RU" dirty="0"/>
-          </a:p>
-        </p:txBody>
-      </p:sp>
-    </p:spTree>
-    <p:extLst>
-      <p:ext uri="{BB962C8B-B14F-4D97-AF65-F5344CB8AC3E}">
-        <p14:creationId xmlns:p14="http://schemas.microsoft.com/office/powerpoint/2010/main" val="3087094628"/>
       </p:ext>
     </p:extLst>
   </p:cSld>
@@ -6526,17 +6035,17 @@
               <a:rPr lang="en-US" dirty="0" smtClean="0"/>
               <a:t>Introduction </a:t>
             </a:r>
-            <a:endParaRPr lang="en-US" dirty="0" smtClean="0"/>
-          </a:p>
-          <a:p>
+          </a:p>
+          <a:p>
+            <a:r>
+              <a:rPr lang="en-US" dirty="0"/>
+              <a:t>Our laboratory </a:t>
+            </a:r>
             <a:r>
               <a:rPr lang="en-US" dirty="0" smtClean="0"/>
-              <a:t>Input </a:t>
-            </a:r>
-            <a:r>
-              <a:rPr lang="en-US" dirty="0" smtClean="0"/>
-              <a:t>method</a:t>
-            </a:r>
+              <a:t>staff</a:t>
+            </a:r>
+            <a:endParaRPr lang="ru-RU" dirty="0" smtClean="0"/>
           </a:p>
           <a:p>
             <a:r>
@@ -6628,12 +6137,12 @@
           <a:lstStyle/>
           <a:p>
             <a:r>
+              <a:rPr lang="ru-RU" dirty="0" smtClean="0"/>
+              <a:t>5</a:t>
+            </a:r>
+            <a:r>
               <a:rPr lang="en-US" dirty="0" smtClean="0"/>
-              <a:t>6 </a:t>
-            </a:r>
-            <a:r>
-              <a:rPr lang="en-US" dirty="0" smtClean="0"/>
-              <a:t>minutes</a:t>
+              <a:t> minutes</a:t>
             </a:r>
             <a:endParaRPr lang="ru-RU" dirty="0"/>
           </a:p>
@@ -6803,15 +6312,15 @@
             <a:pPr algn="ctr"/>
             <a:r>
               <a:rPr lang="ru-RU" dirty="0" err="1" smtClean="0"/>
-              <a:t>Lev</a:t>
+              <a:t>Shechtman</a:t>
             </a:r>
             <a:r>
               <a:rPr lang="en-US" dirty="0" smtClean="0"/>
               <a:t> </a:t>
             </a:r>
             <a:r>
-              <a:rPr lang="ru-RU" dirty="0" err="1" smtClean="0"/>
-              <a:t>Shechtman</a:t>
+              <a:rPr lang="ru-RU" dirty="0" err="1"/>
+              <a:t>Lev</a:t>
             </a:r>
             <a:r>
               <a:rPr lang="en-US" dirty="0"/>
@@ -6853,8 +6362,8 @@
         </p:nvSpPr>
         <p:spPr>
           <a:xfrm>
-            <a:off x="6256175" y="2197072"/>
-            <a:ext cx="2418419" cy="553998"/>
+            <a:off x="6355144" y="2197072"/>
+            <a:ext cx="2220480" cy="553998"/>
           </a:xfrm>
           <a:prstGeom prst="rect">
             <a:avLst/>
@@ -6868,7 +6377,16 @@
           <a:p>
             <a:pPr algn="ctr"/>
             <a:r>
-              <a:rPr lang="en-US" dirty="0" smtClean="0">
+              <a:rPr lang="ru-RU" dirty="0" smtClean="0">
+                <a:solidFill>
+                  <a:srgbClr val="333333"/>
+                </a:solidFill>
+                <a:latin typeface="arial" panose="020B0604020202020204" pitchFamily="34" charset="0"/>
+              </a:rPr>
+              <a:t> </a:t>
+            </a:r>
+            <a:r>
+              <a:rPr lang="en-US" dirty="0">
                 <a:solidFill>
                   <a:srgbClr val="333333"/>
                 </a:solidFill>
@@ -6877,7 +6395,7 @@
               <a:t>Simeon </a:t>
             </a:r>
             <a:r>
-              <a:rPr lang="en-US" dirty="0" err="1" smtClean="0">
+              <a:rPr lang="en-US" dirty="0" err="1">
                 <a:solidFill>
                   <a:srgbClr val="333333"/>
                 </a:solidFill>
@@ -6885,15 +6403,12 @@
               </a:rPr>
               <a:t>Bary</a:t>
             </a:r>
-            <a:r>
-              <a:rPr lang="en-US" dirty="0" smtClean="0">
-                <a:solidFill>
-                  <a:srgbClr val="333333"/>
-                </a:solidFill>
-                <a:latin typeface="arial" panose="020B0604020202020204" pitchFamily="34" charset="0"/>
-              </a:rPr>
-              <a:t> </a:t>
-            </a:r>
+            <a:endParaRPr lang="en-US" dirty="0" smtClean="0">
+              <a:solidFill>
+                <a:srgbClr val="333333"/>
+              </a:solidFill>
+              <a:latin typeface="arial" panose="020B0604020202020204" pitchFamily="34" charset="0"/>
+            </a:endParaRPr>
           </a:p>
           <a:p>
             <a:r>
@@ -7016,8 +6531,8 @@
         </p:nvSpPr>
         <p:spPr>
           <a:xfrm>
-            <a:off x="8039663" y="4135765"/>
-            <a:ext cx="1576072" cy="553998"/>
+            <a:off x="8011577" y="4135765"/>
+            <a:ext cx="1632243" cy="553998"/>
           </a:xfrm>
           <a:prstGeom prst="rect">
             <a:avLst/>
@@ -7031,16 +6546,20 @@
           <a:p>
             <a:pPr algn="ctr"/>
             <a:r>
+              <a:rPr lang="ru-RU" dirty="0" err="1" smtClean="0"/>
+              <a:t>Bragin</a:t>
+            </a:r>
+            <a:r>
+              <a:rPr lang="ru-RU" dirty="0"/>
+              <a:t> </a:t>
+            </a:r>
+            <a:r>
               <a:rPr lang="ru-RU" dirty="0" err="1"/>
               <a:t>Andrei</a:t>
             </a:r>
             <a:r>
               <a:rPr lang="ru-RU" dirty="0"/>
               <a:t> </a:t>
-            </a:r>
-            <a:r>
-              <a:rPr lang="ru-RU" dirty="0" err="1" smtClean="0"/>
-              <a:t>Bragin</a:t>
             </a:r>
             <a:r>
               <a:rPr lang="en-US" dirty="0" smtClean="0"/>
@@ -7171,8 +6690,8 @@
         </p:nvSpPr>
         <p:spPr>
           <a:xfrm>
-            <a:off x="4071815" y="3241294"/>
-            <a:ext cx="1928733" cy="553998"/>
+            <a:off x="4037350" y="3241294"/>
+            <a:ext cx="1997663" cy="553998"/>
           </a:xfrm>
           <a:prstGeom prst="rect">
             <a:avLst/>
@@ -7186,16 +6705,20 @@
           <a:p>
             <a:pPr algn="ctr"/>
             <a:r>
+              <a:rPr lang="ru-RU" dirty="0" err="1" smtClean="0"/>
+              <a:t>Savinov</a:t>
+            </a:r>
+            <a:r>
+              <a:rPr lang="ru-RU" dirty="0"/>
+              <a:t> </a:t>
+            </a:r>
+            <a:r>
               <a:rPr lang="ru-RU" dirty="0" err="1"/>
               <a:t>Gennady</a:t>
             </a:r>
             <a:r>
               <a:rPr lang="ru-RU" dirty="0"/>
               <a:t> </a:t>
-            </a:r>
-            <a:r>
-              <a:rPr lang="ru-RU" dirty="0" err="1" smtClean="0"/>
-              <a:t>Savinov</a:t>
             </a:r>
             <a:r>
               <a:rPr lang="en-US" dirty="0"/>
@@ -7512,7 +7035,12 @@
             <p:ph type="title"/>
           </p:nvPr>
         </p:nvSpPr>
-        <p:spPr/>
+        <p:spPr>
+          <a:xfrm>
+            <a:off x="634606" y="532688"/>
+            <a:ext cx="8596668" cy="1320800"/>
+          </a:xfrm>
+        </p:spPr>
         <p:txBody>
           <a:bodyPr/>
           <a:lstStyle/>
@@ -7520,7 +7048,23 @@
             <a:pPr algn="ctr"/>
             <a:r>
               <a:rPr lang="en-US" dirty="0"/>
-              <a:t>Input Methods: what’s going on?</a:t>
+              <a:t>Low dose Digital Radiographic </a:t>
+            </a:r>
+            <a:r>
+              <a:rPr lang="en-US" dirty="0" smtClean="0"/>
+              <a:t>Installation</a:t>
+            </a:r>
+            <a:r>
+              <a:rPr lang="ru-RU" dirty="0" smtClean="0"/>
+              <a:t> (</a:t>
+            </a:r>
+            <a:r>
+              <a:rPr lang="en-US" dirty="0"/>
+              <a:t>Siberia</a:t>
+            </a:r>
+            <a:r>
+              <a:rPr lang="ru-RU" dirty="0" smtClean="0"/>
+              <a:t>)</a:t>
             </a:r>
             <a:endParaRPr lang="ru-RU" dirty="0"/>
           </a:p>
@@ -7528,26 +7072,140 @@
       </p:sp>
       <p:pic>
         <p:nvPicPr>
-          <p:cNvPr id="3" name="Рисунок 2"/>
+          <p:cNvPr id="1026" name="Picture 2" descr="http://www.inp.nsk.su/products/ldrd/images/setting.jpg"/>
           <p:cNvPicPr>
-            <a:picLocks noChangeAspect="1"/>
+            <a:picLocks noChangeAspect="1" noChangeArrowheads="1"/>
           </p:cNvPicPr>
           <p:nvPr/>
         </p:nvPicPr>
         <p:blipFill>
-          <a:blip r:embed="rId2"/>
+          <a:blip r:embed="rId2">
+            <a:extLst>
+              <a:ext uri="{28A0092B-C50C-407E-A947-70E740481C1C}">
+                <a14:useLocalDpi xmlns:a14="http://schemas.microsoft.com/office/drawing/2010/main" val="0"/>
+              </a:ext>
+            </a:extLst>
+          </a:blip>
+          <a:srcRect/>
           <a:stretch>
             <a:fillRect/>
           </a:stretch>
         </p:blipFill>
-        <p:spPr>
+        <p:spPr bwMode="auto">
           <a:xfrm>
-            <a:off x="2433638" y="1270000"/>
-            <a:ext cx="5495925" cy="5248275"/>
+            <a:off x="581889" y="2008262"/>
+            <a:ext cx="4219660" cy="4037636"/>
           </a:xfrm>
           <a:prstGeom prst="rect">
             <a:avLst/>
           </a:prstGeom>
+          <a:noFill/>
+          <a:extLst>
+            <a:ext uri="{909E8E84-426E-40DD-AFC4-6F175D3DCCD1}">
+              <a14:hiddenFill xmlns:a14="http://schemas.microsoft.com/office/drawing/2010/main">
+                <a:solidFill>
+                  <a:srgbClr val="FFFFFF"/>
+                </a:solidFill>
+              </a14:hiddenFill>
+            </a:ext>
+          </a:extLst>
+        </p:spPr>
+      </p:pic>
+      <p:sp>
+        <p:nvSpPr>
+          <p:cNvPr id="5" name="Объект 2"/>
+          <p:cNvSpPr>
+            <a:spLocks noGrp="1"/>
+          </p:cNvSpPr>
+          <p:nvPr>
+            <p:ph idx="1"/>
+          </p:nvPr>
+        </p:nvSpPr>
+        <p:spPr>
+          <a:xfrm>
+            <a:off x="5024926" y="2076629"/>
+            <a:ext cx="4249075" cy="3964734"/>
+          </a:xfrm>
+        </p:spPr>
+        <p:txBody>
+          <a:bodyPr/>
+          <a:lstStyle/>
+          <a:p>
+            <a:r>
+              <a:rPr lang="en-US" dirty="0"/>
+              <a:t>spatial </a:t>
+            </a:r>
+            <a:r>
+              <a:rPr lang="en-US" dirty="0" smtClean="0"/>
+              <a:t>resolution</a:t>
+            </a:r>
+            <a:endParaRPr lang="ru-RU" dirty="0" smtClean="0"/>
+          </a:p>
+          <a:p>
+            <a:r>
+              <a:rPr lang="en-US" dirty="0"/>
+              <a:t>contrast </a:t>
+            </a:r>
+            <a:r>
+              <a:rPr lang="en-US" dirty="0" smtClean="0"/>
+              <a:t>sensitivity</a:t>
+            </a:r>
+            <a:endParaRPr lang="ru-RU" dirty="0" smtClean="0"/>
+          </a:p>
+          <a:p>
+            <a:r>
+              <a:rPr lang="en-US" dirty="0" smtClean="0"/>
+              <a:t>increased speed</a:t>
+            </a:r>
+          </a:p>
+          <a:p>
+            <a:r>
+              <a:rPr lang="en-US" dirty="0"/>
+              <a:t>dynamic range</a:t>
+            </a:r>
+            <a:endParaRPr lang="en-US" dirty="0" smtClean="0"/>
+          </a:p>
+        </p:txBody>
+      </p:sp>
+      <p:pic>
+        <p:nvPicPr>
+          <p:cNvPr id="1028" name="Picture 4" descr="http://www.inp.nsk.su/products/medicine/images/medals.gif"/>
+          <p:cNvPicPr>
+            <a:picLocks noChangeAspect="1" noChangeArrowheads="1"/>
+          </p:cNvPicPr>
+          <p:nvPr/>
+        </p:nvPicPr>
+        <p:blipFill>
+          <a:blip r:embed="rId3">
+            <a:extLst>
+              <a:ext uri="{28A0092B-C50C-407E-A947-70E740481C1C}">
+                <a14:useLocalDpi xmlns:a14="http://schemas.microsoft.com/office/drawing/2010/main" val="0"/>
+              </a:ext>
+            </a:extLst>
+          </a:blip>
+          <a:srcRect/>
+          <a:stretch>
+            <a:fillRect/>
+          </a:stretch>
+        </p:blipFill>
+        <p:spPr bwMode="auto">
+          <a:xfrm>
+            <a:off x="5154865" y="4703139"/>
+            <a:ext cx="3209925" cy="781051"/>
+          </a:xfrm>
+          <a:prstGeom prst="rect">
+            <a:avLst/>
+          </a:prstGeom>
+          <a:noFill/>
+          <a:extLst>
+            <a:ext uri="{909E8E84-426E-40DD-AFC4-6F175D3DCCD1}">
+              <a14:hiddenFill xmlns:a14="http://schemas.microsoft.com/office/drawing/2010/main">
+                <a:solidFill>
+                  <a:srgbClr val="FFFFFF"/>
+                </a:solidFill>
+              </a14:hiddenFill>
+            </a:ext>
+          </a:extLst>
         </p:spPr>
       </p:pic>
     </p:spTree>
@@ -7605,7 +7263,19 @@
             <a:pPr algn="ctr"/>
             <a:r>
               <a:rPr lang="en-US" dirty="0"/>
-              <a:t>Input Methods: what’s going on?</a:t>
+              <a:t>X-ray inspection system </a:t>
+            </a:r>
+            <a:r>
+              <a:rPr lang="en-US" dirty="0" smtClean="0"/>
+              <a:t>(</a:t>
+            </a:r>
+            <a:r>
+              <a:rPr lang="en-US" dirty="0" err="1"/>
+              <a:t>Sibscan</a:t>
+            </a:r>
+            <a:r>
+              <a:rPr lang="en-US" dirty="0" smtClean="0"/>
+              <a:t>)</a:t>
             </a:r>
             <a:endParaRPr lang="ru-RU" dirty="0"/>
           </a:p>
@@ -7613,428 +7283,124 @@
       </p:sp>
       <p:pic>
         <p:nvPicPr>
-          <p:cNvPr id="3" name="Рисунок 2"/>
+          <p:cNvPr id="2050" name="Picture 2" descr="http://www.inp.nsk.su/products/src/images/setting.jpg"/>
           <p:cNvPicPr>
-            <a:picLocks noChangeAspect="1"/>
+            <a:picLocks noChangeAspect="1" noChangeArrowheads="1"/>
           </p:cNvPicPr>
           <p:nvPr/>
         </p:nvPicPr>
         <p:blipFill>
-          <a:blip r:embed="rId2"/>
+          <a:blip r:embed="rId2">
+            <a:extLst>
+              <a:ext uri="{28A0092B-C50C-407E-A947-70E740481C1C}">
+                <a14:useLocalDpi xmlns:a14="http://schemas.microsoft.com/office/drawing/2010/main" val="0"/>
+              </a:ext>
+            </a:extLst>
+          </a:blip>
+          <a:srcRect/>
           <a:stretch>
             <a:fillRect/>
           </a:stretch>
         </p:blipFill>
-        <p:spPr>
+        <p:spPr bwMode="auto">
           <a:xfrm>
-            <a:off x="2433638" y="1270000"/>
-            <a:ext cx="5495925" cy="5248275"/>
-          </a:xfrm>
-          <a:prstGeom prst="rect">
-            <a:avLst/>
-          </a:prstGeom>
-        </p:spPr>
-      </p:pic>
-      <p:sp>
-        <p:nvSpPr>
-          <p:cNvPr id="6" name="Полилиния 5"/>
-          <p:cNvSpPr/>
-          <p:nvPr/>
-        </p:nvSpPr>
-        <p:spPr>
-          <a:xfrm>
-            <a:off x="6205415" y="3259015"/>
-            <a:ext cx="1361370" cy="265723"/>
-          </a:xfrm>
-          <a:custGeom>
-            <a:avLst/>
-            <a:gdLst>
-              <a:gd name="connsiteX0" fmla="*/ 187570 w 1361370"/>
-              <a:gd name="connsiteY0" fmla="*/ 54708 h 265723"/>
-              <a:gd name="connsiteX1" fmla="*/ 289170 w 1361370"/>
-              <a:gd name="connsiteY1" fmla="*/ 39077 h 265723"/>
-              <a:gd name="connsiteX2" fmla="*/ 312616 w 1361370"/>
-              <a:gd name="connsiteY2" fmla="*/ 31262 h 265723"/>
-              <a:gd name="connsiteX3" fmla="*/ 898770 w 1361370"/>
-              <a:gd name="connsiteY3" fmla="*/ 23447 h 265723"/>
-              <a:gd name="connsiteX4" fmla="*/ 984739 w 1361370"/>
-              <a:gd name="connsiteY4" fmla="*/ 7816 h 265723"/>
-              <a:gd name="connsiteX5" fmla="*/ 1016000 w 1361370"/>
-              <a:gd name="connsiteY5" fmla="*/ 0 h 265723"/>
-              <a:gd name="connsiteX6" fmla="*/ 1164493 w 1361370"/>
-              <a:gd name="connsiteY6" fmla="*/ 7816 h 265723"/>
-              <a:gd name="connsiteX7" fmla="*/ 1211385 w 1361370"/>
-              <a:gd name="connsiteY7" fmla="*/ 23447 h 265723"/>
-              <a:gd name="connsiteX8" fmla="*/ 1234831 w 1361370"/>
-              <a:gd name="connsiteY8" fmla="*/ 31262 h 265723"/>
-              <a:gd name="connsiteX9" fmla="*/ 1258277 w 1361370"/>
-              <a:gd name="connsiteY9" fmla="*/ 54708 h 265723"/>
-              <a:gd name="connsiteX10" fmla="*/ 1289539 w 1361370"/>
-              <a:gd name="connsiteY10" fmla="*/ 70339 h 265723"/>
-              <a:gd name="connsiteX11" fmla="*/ 1336431 w 1361370"/>
-              <a:gd name="connsiteY11" fmla="*/ 93785 h 265723"/>
-              <a:gd name="connsiteX12" fmla="*/ 1359877 w 1361370"/>
-              <a:gd name="connsiteY12" fmla="*/ 117231 h 265723"/>
-              <a:gd name="connsiteX13" fmla="*/ 1336431 w 1361370"/>
-              <a:gd name="connsiteY13" fmla="*/ 203200 h 265723"/>
-              <a:gd name="connsiteX14" fmla="*/ 1312985 w 1361370"/>
-              <a:gd name="connsiteY14" fmla="*/ 218831 h 265723"/>
-              <a:gd name="connsiteX15" fmla="*/ 1289539 w 1361370"/>
-              <a:gd name="connsiteY15" fmla="*/ 226647 h 265723"/>
-              <a:gd name="connsiteX16" fmla="*/ 1000370 w 1361370"/>
-              <a:gd name="connsiteY16" fmla="*/ 234462 h 265723"/>
-              <a:gd name="connsiteX17" fmla="*/ 914400 w 1361370"/>
-              <a:gd name="connsiteY17" fmla="*/ 250093 h 265723"/>
-              <a:gd name="connsiteX18" fmla="*/ 836247 w 1361370"/>
-              <a:gd name="connsiteY18" fmla="*/ 265723 h 265723"/>
-              <a:gd name="connsiteX19" fmla="*/ 296985 w 1361370"/>
-              <a:gd name="connsiteY19" fmla="*/ 257908 h 265723"/>
-              <a:gd name="connsiteX20" fmla="*/ 250093 w 1361370"/>
-              <a:gd name="connsiteY20" fmla="*/ 250093 h 265723"/>
-              <a:gd name="connsiteX21" fmla="*/ 46893 w 1361370"/>
-              <a:gd name="connsiteY21" fmla="*/ 234462 h 265723"/>
-              <a:gd name="connsiteX22" fmla="*/ 0 w 1361370"/>
-              <a:gd name="connsiteY22" fmla="*/ 226647 h 265723"/>
-              <a:gd name="connsiteX23" fmla="*/ 7816 w 1361370"/>
-              <a:gd name="connsiteY23" fmla="*/ 187570 h 265723"/>
-              <a:gd name="connsiteX24" fmla="*/ 54708 w 1361370"/>
-              <a:gd name="connsiteY24" fmla="*/ 140677 h 265723"/>
-              <a:gd name="connsiteX25" fmla="*/ 93785 w 1361370"/>
-              <a:gd name="connsiteY25" fmla="*/ 132862 h 265723"/>
-              <a:gd name="connsiteX26" fmla="*/ 117231 w 1361370"/>
-              <a:gd name="connsiteY26" fmla="*/ 125047 h 265723"/>
-              <a:gd name="connsiteX27" fmla="*/ 187570 w 1361370"/>
-              <a:gd name="connsiteY27" fmla="*/ 54708 h 265723"/>
-            </a:gdLst>
-            <a:ahLst/>
-            <a:cxnLst>
-              <a:cxn ang="0">
-                <a:pos x="connsiteX0" y="connsiteY0"/>
-              </a:cxn>
-              <a:cxn ang="0">
-                <a:pos x="connsiteX1" y="connsiteY1"/>
-              </a:cxn>
-              <a:cxn ang="0">
-                <a:pos x="connsiteX2" y="connsiteY2"/>
-              </a:cxn>
-              <a:cxn ang="0">
-                <a:pos x="connsiteX3" y="connsiteY3"/>
-              </a:cxn>
-              <a:cxn ang="0">
-                <a:pos x="connsiteX4" y="connsiteY4"/>
-              </a:cxn>
-              <a:cxn ang="0">
-                <a:pos x="connsiteX5" y="connsiteY5"/>
-              </a:cxn>
-              <a:cxn ang="0">
-                <a:pos x="connsiteX6" y="connsiteY6"/>
-              </a:cxn>
-              <a:cxn ang="0">
-                <a:pos x="connsiteX7" y="connsiteY7"/>
-              </a:cxn>
-              <a:cxn ang="0">
-                <a:pos x="connsiteX8" y="connsiteY8"/>
-              </a:cxn>
-              <a:cxn ang="0">
-                <a:pos x="connsiteX9" y="connsiteY9"/>
-              </a:cxn>
-              <a:cxn ang="0">
-                <a:pos x="connsiteX10" y="connsiteY10"/>
-              </a:cxn>
-              <a:cxn ang="0">
-                <a:pos x="connsiteX11" y="connsiteY11"/>
-              </a:cxn>
-              <a:cxn ang="0">
-                <a:pos x="connsiteX12" y="connsiteY12"/>
-              </a:cxn>
-              <a:cxn ang="0">
-                <a:pos x="connsiteX13" y="connsiteY13"/>
-              </a:cxn>
-              <a:cxn ang="0">
-                <a:pos x="connsiteX14" y="connsiteY14"/>
-              </a:cxn>
-              <a:cxn ang="0">
-                <a:pos x="connsiteX15" y="connsiteY15"/>
-              </a:cxn>
-              <a:cxn ang="0">
-                <a:pos x="connsiteX16" y="connsiteY16"/>
-              </a:cxn>
-              <a:cxn ang="0">
-                <a:pos x="connsiteX17" y="connsiteY17"/>
-              </a:cxn>
-              <a:cxn ang="0">
-                <a:pos x="connsiteX18" y="connsiteY18"/>
-              </a:cxn>
-              <a:cxn ang="0">
-                <a:pos x="connsiteX19" y="connsiteY19"/>
-              </a:cxn>
-              <a:cxn ang="0">
-                <a:pos x="connsiteX20" y="connsiteY20"/>
-              </a:cxn>
-              <a:cxn ang="0">
-                <a:pos x="connsiteX21" y="connsiteY21"/>
-              </a:cxn>
-              <a:cxn ang="0">
-                <a:pos x="connsiteX22" y="connsiteY22"/>
-              </a:cxn>
-              <a:cxn ang="0">
-                <a:pos x="connsiteX23" y="connsiteY23"/>
-              </a:cxn>
-              <a:cxn ang="0">
-                <a:pos x="connsiteX24" y="connsiteY24"/>
-              </a:cxn>
-              <a:cxn ang="0">
-                <a:pos x="connsiteX25" y="connsiteY25"/>
-              </a:cxn>
-              <a:cxn ang="0">
-                <a:pos x="connsiteX26" y="connsiteY26"/>
-              </a:cxn>
-              <a:cxn ang="0">
-                <a:pos x="connsiteX27" y="connsiteY27"/>
-              </a:cxn>
-            </a:cxnLst>
-            <a:rect l="l" t="t" r="r" b="b"/>
-            <a:pathLst>
-              <a:path w="1361370" h="265723">
-                <a:moveTo>
-                  <a:pt x="187570" y="54708"/>
-                </a:moveTo>
-                <a:cubicBezTo>
-                  <a:pt x="205035" y="52213"/>
-                  <a:pt x="269640" y="43417"/>
-                  <a:pt x="289170" y="39077"/>
-                </a:cubicBezTo>
-                <a:cubicBezTo>
-                  <a:pt x="297212" y="37290"/>
-                  <a:pt x="304381" y="31473"/>
-                  <a:pt x="312616" y="31262"/>
-                </a:cubicBezTo>
-                <a:cubicBezTo>
-                  <a:pt x="507954" y="26254"/>
-                  <a:pt x="703385" y="26052"/>
-                  <a:pt x="898770" y="23447"/>
-                </a:cubicBezTo>
-                <a:cubicBezTo>
-                  <a:pt x="969673" y="5720"/>
-                  <a:pt x="882061" y="26485"/>
-                  <a:pt x="984739" y="7816"/>
-                </a:cubicBezTo>
-                <a:cubicBezTo>
-                  <a:pt x="995307" y="5895"/>
-                  <a:pt x="1005580" y="2605"/>
-                  <a:pt x="1016000" y="0"/>
-                </a:cubicBezTo>
-                <a:cubicBezTo>
-                  <a:pt x="1065498" y="2605"/>
-                  <a:pt x="1115280" y="1910"/>
-                  <a:pt x="1164493" y="7816"/>
-                </a:cubicBezTo>
-                <a:cubicBezTo>
-                  <a:pt x="1180852" y="9779"/>
-                  <a:pt x="1195754" y="18237"/>
-                  <a:pt x="1211385" y="23447"/>
-                </a:cubicBezTo>
-                <a:lnTo>
-                  <a:pt x="1234831" y="31262"/>
-                </a:lnTo>
-                <a:cubicBezTo>
-                  <a:pt x="1242646" y="39077"/>
-                  <a:pt x="1249283" y="48284"/>
-                  <a:pt x="1258277" y="54708"/>
-                </a:cubicBezTo>
-                <a:cubicBezTo>
-                  <a:pt x="1267758" y="61480"/>
-                  <a:pt x="1279423" y="64559"/>
-                  <a:pt x="1289539" y="70339"/>
-                </a:cubicBezTo>
-                <a:cubicBezTo>
-                  <a:pt x="1331960" y="94580"/>
-                  <a:pt x="1293444" y="79457"/>
-                  <a:pt x="1336431" y="93785"/>
-                </a:cubicBezTo>
-                <a:cubicBezTo>
-                  <a:pt x="1344246" y="101600"/>
-                  <a:pt x="1357900" y="106357"/>
-                  <a:pt x="1359877" y="117231"/>
-                </a:cubicBezTo>
-                <a:cubicBezTo>
-                  <a:pt x="1364856" y="144616"/>
-                  <a:pt x="1357470" y="182161"/>
-                  <a:pt x="1336431" y="203200"/>
-                </a:cubicBezTo>
-                <a:cubicBezTo>
-                  <a:pt x="1329789" y="209842"/>
-                  <a:pt x="1321386" y="214630"/>
-                  <a:pt x="1312985" y="218831"/>
-                </a:cubicBezTo>
-                <a:cubicBezTo>
-                  <a:pt x="1305617" y="222515"/>
-                  <a:pt x="1297767" y="226236"/>
-                  <a:pt x="1289539" y="226647"/>
-                </a:cubicBezTo>
-                <a:cubicBezTo>
-                  <a:pt x="1193234" y="231462"/>
-                  <a:pt x="1096760" y="231857"/>
-                  <a:pt x="1000370" y="234462"/>
-                </a:cubicBezTo>
-                <a:cubicBezTo>
-                  <a:pt x="933821" y="251098"/>
-                  <a:pt x="1009608" y="233292"/>
-                  <a:pt x="914400" y="250093"/>
-                </a:cubicBezTo>
-                <a:cubicBezTo>
-                  <a:pt x="888237" y="254710"/>
-                  <a:pt x="862298" y="260513"/>
-                  <a:pt x="836247" y="265723"/>
-                </a:cubicBezTo>
-                <a:lnTo>
-                  <a:pt x="296985" y="257908"/>
-                </a:lnTo>
-                <a:cubicBezTo>
-                  <a:pt x="281144" y="257486"/>
-                  <a:pt x="265868" y="251595"/>
-                  <a:pt x="250093" y="250093"/>
-                </a:cubicBezTo>
-                <a:cubicBezTo>
-                  <a:pt x="121043" y="237802"/>
-                  <a:pt x="159454" y="247704"/>
-                  <a:pt x="46893" y="234462"/>
-                </a:cubicBezTo>
-                <a:cubicBezTo>
-                  <a:pt x="31155" y="232611"/>
-                  <a:pt x="15631" y="229252"/>
-                  <a:pt x="0" y="226647"/>
-                </a:cubicBezTo>
-                <a:cubicBezTo>
-                  <a:pt x="2605" y="213621"/>
-                  <a:pt x="2421" y="199709"/>
-                  <a:pt x="7816" y="187570"/>
-                </a:cubicBezTo>
-                <a:cubicBezTo>
-                  <a:pt x="15284" y="170766"/>
-                  <a:pt x="36009" y="147689"/>
-                  <a:pt x="54708" y="140677"/>
-                </a:cubicBezTo>
-                <a:cubicBezTo>
-                  <a:pt x="67146" y="136013"/>
-                  <a:pt x="80898" y="136084"/>
-                  <a:pt x="93785" y="132862"/>
-                </a:cubicBezTo>
-                <a:cubicBezTo>
-                  <a:pt x="101777" y="130864"/>
-                  <a:pt x="109416" y="127652"/>
-                  <a:pt x="117231" y="125047"/>
-                </a:cubicBezTo>
-                <a:lnTo>
-                  <a:pt x="187570" y="54708"/>
-                </a:lnTo>
-                <a:close/>
-              </a:path>
-            </a:pathLst>
-          </a:custGeom>
-          <a:noFill/>
-          <a:ln>
-            <a:solidFill>
-              <a:srgbClr val="FF0000"/>
-            </a:solidFill>
-          </a:ln>
-        </p:spPr>
-        <p:style>
-          <a:lnRef idx="2">
-            <a:schemeClr val="accent1">
-              <a:shade val="50000"/>
-            </a:schemeClr>
-          </a:lnRef>
-          <a:fillRef idx="1">
-            <a:schemeClr val="accent1"/>
-          </a:fillRef>
-          <a:effectRef idx="0">
-            <a:schemeClr val="accent1"/>
-          </a:effectRef>
-          <a:fontRef idx="minor">
-            <a:schemeClr val="lt1"/>
-          </a:fontRef>
-        </p:style>
-        <p:txBody>
-          <a:bodyPr rtlCol="0" anchor="ctr"/>
-          <a:lstStyle/>
-          <a:p>
-            <a:pPr algn="ctr"/>
-            <a:endParaRPr lang="ru-RU"/>
-          </a:p>
-        </p:txBody>
-      </p:sp>
-      <p:sp>
-        <p:nvSpPr>
-          <p:cNvPr id="7" name="Выноска-облако 6"/>
-          <p:cNvSpPr/>
-          <p:nvPr/>
-        </p:nvSpPr>
-        <p:spPr>
-          <a:xfrm>
-            <a:off x="7929563" y="930152"/>
-            <a:ext cx="3097945" cy="2227385"/>
-          </a:xfrm>
-          <a:prstGeom prst="cloudCallout">
-            <a:avLst>
-              <a:gd name="adj1" fmla="val -56404"/>
-              <a:gd name="adj2" fmla="val 60746"/>
-            </a:avLst>
-          </a:prstGeom>
-        </p:spPr>
-        <p:style>
-          <a:lnRef idx="2">
-            <a:schemeClr val="accent1">
-              <a:shade val="50000"/>
-            </a:schemeClr>
-          </a:lnRef>
-          <a:fillRef idx="1">
-            <a:schemeClr val="accent1"/>
-          </a:fillRef>
-          <a:effectRef idx="0">
-            <a:schemeClr val="accent1"/>
-          </a:effectRef>
-          <a:fontRef idx="minor">
-            <a:schemeClr val="lt1"/>
-          </a:fontRef>
-        </p:style>
-        <p:txBody>
-          <a:bodyPr rtlCol="0" anchor="ctr"/>
-          <a:lstStyle/>
-          <a:p>
-            <a:pPr algn="ctr"/>
-            <a:endParaRPr lang="ru-RU"/>
-          </a:p>
-        </p:txBody>
-      </p:sp>
-      <p:sp>
-        <p:nvSpPr>
-          <p:cNvPr id="8" name="TextBox 7"/>
-          <p:cNvSpPr txBox="1"/>
-          <p:nvPr/>
-        </p:nvSpPr>
-        <p:spPr>
-          <a:xfrm>
-            <a:off x="8502914" y="1166681"/>
-            <a:ext cx="1951241" cy="1754326"/>
+            <a:off x="463222" y="1533004"/>
+            <a:ext cx="4021166" cy="3056088"/>
           </a:xfrm>
           <a:prstGeom prst="rect">
             <a:avLst/>
           </a:prstGeom>
           <a:noFill/>
+          <a:extLst>
+            <a:ext uri="{909E8E84-426E-40DD-AFC4-6F175D3DCCD1}">
+              <a14:hiddenFill xmlns:a14="http://schemas.microsoft.com/office/drawing/2010/main">
+                <a:solidFill>
+                  <a:srgbClr val="FFFFFF"/>
+                </a:solidFill>
+              </a14:hiddenFill>
+            </a:ext>
+          </a:extLst>
         </p:spPr>
-        <p:txBody>
-          <a:bodyPr wrap="square" rtlCol="0">
-            <a:spAutoFit/>
-          </a:bodyPr>
-          <a:lstStyle/>
-          <a:p>
-            <a:pPr algn="ctr"/>
+      </p:pic>
+      <p:pic>
+        <p:nvPicPr>
+          <p:cNvPr id="2052" name="Picture 4" descr="http://www.inp.nsk.su/products/src/images/rgram-small.jpg"/>
+          <p:cNvPicPr>
+            <a:picLocks noChangeAspect="1" noChangeArrowheads="1"/>
+          </p:cNvPicPr>
+          <p:nvPr/>
+        </p:nvPicPr>
+        <p:blipFill>
+          <a:blip r:embed="rId3">
+            <a:extLst>
+              <a:ext uri="{28A0092B-C50C-407E-A947-70E740481C1C}">
+                <a14:useLocalDpi xmlns:a14="http://schemas.microsoft.com/office/drawing/2010/main" val="0"/>
+              </a:ext>
+            </a:extLst>
+          </a:blip>
+          <a:srcRect/>
+          <a:stretch>
+            <a:fillRect/>
+          </a:stretch>
+        </p:blipFill>
+        <p:spPr bwMode="auto">
+          <a:xfrm>
+            <a:off x="4565205" y="1533004"/>
+            <a:ext cx="1190625" cy="3362326"/>
+          </a:xfrm>
+          <a:prstGeom prst="rect">
+            <a:avLst/>
+          </a:prstGeom>
+          <a:noFill/>
+          <a:extLst>
+            <a:ext uri="{909E8E84-426E-40DD-AFC4-6F175D3DCCD1}">
+              <a14:hiddenFill xmlns:a14="http://schemas.microsoft.com/office/drawing/2010/main">
+                <a:solidFill>
+                  <a:srgbClr val="FFFFFF"/>
+                </a:solidFill>
+              </a14:hiddenFill>
+            </a:ext>
+          </a:extLst>
+        </p:spPr>
+      </p:pic>
+      <p:sp>
+        <p:nvSpPr>
+          <p:cNvPr id="9" name="Объект 2"/>
+          <p:cNvSpPr>
+            <a:spLocks noGrp="1"/>
+          </p:cNvSpPr>
+          <p:nvPr>
+            <p:ph idx="1"/>
+          </p:nvPr>
+        </p:nvSpPr>
+        <p:spPr>
+          <a:xfrm>
+            <a:off x="5755830" y="1533004"/>
+            <a:ext cx="4249075" cy="3964734"/>
+          </a:xfrm>
+        </p:spPr>
+        <p:txBody>
+          <a:bodyPr/>
+          <a:lstStyle/>
+          <a:p>
+            <a:r>
+              <a:rPr lang="en-US" dirty="0"/>
+              <a:t>detect hidden on the body and clothing the dangerous items, weapon and </a:t>
+            </a:r>
             <a:r>
               <a:rPr lang="en-US" dirty="0" smtClean="0"/>
-              <a:t>We want to develop the device with the same characteristics (or better)</a:t>
-            </a:r>
-            <a:endParaRPr lang="ru-RU" dirty="0"/>
+              <a:t>explosive</a:t>
+            </a:r>
+          </a:p>
+          <a:p>
+            <a:endParaRPr lang="en-US" dirty="0"/>
+          </a:p>
+          <a:p>
+            <a:r>
+              <a:rPr lang="en-US" dirty="0"/>
+              <a:t>ultra-Low dose of X-ray irradiation comparable to the background</a:t>
+            </a:r>
+            <a:endParaRPr lang="en-US" dirty="0" smtClean="0"/>
           </a:p>
         </p:txBody>
       </p:sp>
@@ -8092,8 +7458,16 @@
           <a:p>
             <a:pPr algn="ctr"/>
             <a:r>
+              <a:rPr lang="en-US" dirty="0" smtClean="0"/>
+              <a:t>But progress </a:t>
+            </a:r>
+            <a:r>
               <a:rPr lang="en-US" dirty="0"/>
-              <a:t>Analytical Methods: what seems to be happening?</a:t>
+              <a:t>does not stand </a:t>
+            </a:r>
+            <a:r>
+              <a:rPr lang="en-US" dirty="0" smtClean="0"/>
+              <a:t>still…</a:t>
             </a:r>
             <a:endParaRPr lang="ru-RU" dirty="0"/>
           </a:p>
@@ -8101,45 +7475,122 @@
       </p:sp>
       <p:pic>
         <p:nvPicPr>
-          <p:cNvPr id="40" name="Рисунок 39"/>
+          <p:cNvPr id="3074" name="Picture 2"/>
           <p:cNvPicPr>
-            <a:picLocks noChangeAspect="1"/>
+            <a:picLocks noChangeAspect="1" noChangeArrowheads="1"/>
           </p:cNvPicPr>
           <p:nvPr/>
         </p:nvPicPr>
         <p:blipFill>
-          <a:blip r:embed="rId2"/>
+          <a:blip r:embed="rId2">
+            <a:extLst>
+              <a:ext uri="{28A0092B-C50C-407E-A947-70E740481C1C}">
+                <a14:useLocalDpi xmlns:a14="http://schemas.microsoft.com/office/drawing/2010/main" val="0"/>
+              </a:ext>
+            </a:extLst>
+          </a:blip>
+          <a:srcRect/>
           <a:stretch>
             <a:fillRect/>
           </a:stretch>
         </p:blipFill>
-        <p:spPr>
+        <p:spPr bwMode="auto">
           <a:xfrm>
-            <a:off x="2087241" y="2031999"/>
-            <a:ext cx="5776854" cy="4047025"/>
+            <a:off x="468639" y="1924863"/>
+            <a:ext cx="4223002" cy="2974055"/>
           </a:xfrm>
           <a:prstGeom prst="rect">
             <a:avLst/>
           </a:prstGeom>
+          <a:noFill/>
+          <a:ln>
+            <a:noFill/>
+          </a:ln>
+          <a:extLst>
+            <a:ext uri="{909E8E84-426E-40DD-AFC4-6F175D3DCCD1}">
+              <a14:hiddenFill xmlns:a14="http://schemas.microsoft.com/office/drawing/2010/main">
+                <a:solidFill>
+                  <a:schemeClr val="accent1"/>
+                </a:solidFill>
+              </a14:hiddenFill>
+            </a:ext>
+            <a:ext uri="{91240B29-F687-4F45-9708-019B960494DF}">
+              <a14:hiddenLine xmlns:a14="http://schemas.microsoft.com/office/drawing/2010/main" w="9525">
+                <a:solidFill>
+                  <a:schemeClr val="tx1"/>
+                </a:solidFill>
+                <a:miter lim="800000"/>
+                <a:headEnd/>
+                <a:tailEnd/>
+              </a14:hiddenLine>
+            </a:ext>
+          </a:extLst>
+        </p:spPr>
+      </p:pic>
+      <p:pic>
+        <p:nvPicPr>
+          <p:cNvPr id="3075" name="Picture 3"/>
+          <p:cNvPicPr>
+            <a:picLocks noChangeAspect="1" noChangeArrowheads="1"/>
+          </p:cNvPicPr>
+          <p:nvPr/>
+        </p:nvPicPr>
+        <p:blipFill>
+          <a:blip r:embed="rId3">
+            <a:extLst>
+              <a:ext uri="{28A0092B-C50C-407E-A947-70E740481C1C}">
+                <a14:useLocalDpi xmlns:a14="http://schemas.microsoft.com/office/drawing/2010/main" val="0"/>
+              </a:ext>
+            </a:extLst>
+          </a:blip>
+          <a:srcRect/>
+          <a:stretch>
+            <a:fillRect/>
+          </a:stretch>
+        </p:blipFill>
+        <p:spPr bwMode="auto">
+          <a:xfrm>
+            <a:off x="4965106" y="1901955"/>
+            <a:ext cx="4284736" cy="3019869"/>
+          </a:xfrm>
+          <a:prstGeom prst="rect">
+            <a:avLst/>
+          </a:prstGeom>
+          <a:noFill/>
+          <a:ln>
+            <a:noFill/>
+          </a:ln>
+          <a:extLst>
+            <a:ext uri="{909E8E84-426E-40DD-AFC4-6F175D3DCCD1}">
+              <a14:hiddenFill xmlns:a14="http://schemas.microsoft.com/office/drawing/2010/main">
+                <a:solidFill>
+                  <a:schemeClr val="accent1"/>
+                </a:solidFill>
+              </a14:hiddenFill>
+            </a:ext>
+            <a:ext uri="{91240B29-F687-4F45-9708-019B960494DF}">
+              <a14:hiddenLine xmlns:a14="http://schemas.microsoft.com/office/drawing/2010/main" w="9525">
+                <a:solidFill>
+                  <a:schemeClr val="tx1"/>
+                </a:solidFill>
+                <a:miter lim="800000"/>
+                <a:headEnd/>
+                <a:tailEnd/>
+              </a14:hiddenLine>
+            </a:ext>
+          </a:extLst>
         </p:spPr>
       </p:pic>
     </p:spTree>
     <p:extLst>
       <p:ext uri="{BB962C8B-B14F-4D97-AF65-F5344CB8AC3E}">
-        <p14:creationId xmlns:p14="http://schemas.microsoft.com/office/powerpoint/2010/main" val="2519219659"/>
+        <p14:creationId xmlns:p14="http://schemas.microsoft.com/office/powerpoint/2010/main" val="2251516762"/>
       </p:ext>
     </p:extLst>
   </p:cSld>
   <p:clrMapOvr>
     <a:masterClrMapping/>
   </p:clrMapOvr>
-  <p:timing>
-    <p:tnLst>
-      <p:par>
-        <p:cTn id="1" dur="indefinite" restart="never" nodeType="tmRoot"/>
-      </p:par>
-    </p:tnLst>
-  </p:timing>
 </p:sld>
 </file>
 
@@ -8177,16 +7628,8 @@
           <a:p>
             <a:pPr algn="ctr"/>
             <a:r>
-              <a:rPr lang="en-US" dirty="0" smtClean="0"/>
-              <a:t>DXA is the </a:t>
-            </a:r>
-            <a:r>
               <a:rPr lang="en-US" dirty="0"/>
-              <a:t>“gold standard</a:t>
-            </a:r>
-            <a:r>
-              <a:rPr lang="en-US" dirty="0" smtClean="0"/>
-              <a:t>”, but …</a:t>
+              <a:t>Concluding Comments</a:t>
             </a:r>
             <a:endParaRPr lang="ru-RU" dirty="0"/>
           </a:p>
@@ -8194,11 +7637,13 @@
       </p:sp>
       <p:pic>
         <p:nvPicPr>
-          <p:cNvPr id="1026" name="Picture 2" descr="http://www.amptek.com/wp-content/uploads/2013/12/cdte_5.png"/>
+          <p:cNvPr id="4" name="Content Placeholder 4"/>
           <p:cNvPicPr>
-            <a:picLocks noChangeAspect="1" noChangeArrowheads="1"/>
+            <a:picLocks noGrp="1" noChangeAspect="1"/>
           </p:cNvPicPr>
-          <p:nvPr/>
+          <p:nvPr>
+            <p:ph sz="half" idx="4294967295"/>
+          </p:nvPr>
         </p:nvPicPr>
         <p:blipFill>
           <a:blip r:embed="rId2">
@@ -8208,142 +7653,24 @@
               </a:ext>
             </a:extLst>
           </a:blip>
-          <a:srcRect/>
           <a:stretch>
             <a:fillRect/>
           </a:stretch>
         </p:blipFill>
-        <p:spPr bwMode="auto">
-          <a:xfrm>
-            <a:off x="4709732" y="1509070"/>
-            <a:ext cx="4367156" cy="2650088"/>
-          </a:xfrm>
-          <a:prstGeom prst="rect">
-            <a:avLst/>
-          </a:prstGeom>
-          <a:noFill/>
-          <a:extLst>
-            <a:ext uri="{909E8E84-426E-40DD-AFC4-6F175D3DCCD1}">
-              <a14:hiddenFill xmlns:a14="http://schemas.microsoft.com/office/drawing/2010/main">
-                <a:solidFill>
-                  <a:srgbClr val="FFFFFF"/>
-                </a:solidFill>
-              </a14:hiddenFill>
-            </a:ext>
-          </a:extLst>
-        </p:spPr>
-      </p:pic>
-      <p:sp>
-        <p:nvSpPr>
-          <p:cNvPr id="3" name="Прямоугольник 2"/>
-          <p:cNvSpPr/>
-          <p:nvPr/>
-        </p:nvSpPr>
         <p:spPr>
           <a:xfrm>
-            <a:off x="1088228" y="2464782"/>
-            <a:ext cx="3621504" cy="369332"/>
+            <a:off x="2918604" y="1397210"/>
+            <a:ext cx="3886200" cy="2914651"/>
           </a:xfrm>
           <a:prstGeom prst="rect">
             <a:avLst/>
           </a:prstGeom>
         </p:spPr>
-        <p:txBody>
-          <a:bodyPr wrap="none">
-            <a:spAutoFit/>
-          </a:bodyPr>
-          <a:lstStyle/>
-          <a:p>
-            <a:r>
-              <a:rPr lang="en-US" dirty="0"/>
-              <a:t>the better </a:t>
-            </a:r>
-            <a:r>
-              <a:rPr lang="en-US" dirty="0" smtClean="0"/>
-              <a:t>the energy resolution,</a:t>
-            </a:r>
-            <a:endParaRPr lang="ru-RU" dirty="0"/>
-          </a:p>
-        </p:txBody>
-      </p:sp>
-      <p:sp>
-        <p:nvSpPr>
-          <p:cNvPr id="4" name="Прямоугольник 3"/>
-          <p:cNvSpPr/>
-          <p:nvPr/>
-        </p:nvSpPr>
-        <p:spPr>
-          <a:xfrm>
-            <a:off x="1104258" y="4719689"/>
-            <a:ext cx="3589444" cy="369332"/>
-          </a:xfrm>
-          <a:prstGeom prst="rect">
-            <a:avLst/>
-          </a:prstGeom>
-        </p:spPr>
-        <p:txBody>
-          <a:bodyPr wrap="none">
-            <a:spAutoFit/>
-          </a:bodyPr>
-          <a:lstStyle/>
-          <a:p>
-            <a:r>
-              <a:rPr lang="en-US" dirty="0" smtClean="0"/>
-              <a:t>the </a:t>
-            </a:r>
-            <a:r>
-              <a:rPr lang="en-US" dirty="0"/>
-              <a:t>lower dose a person receives</a:t>
-            </a:r>
-            <a:endParaRPr lang="ru-RU" dirty="0"/>
-          </a:p>
-        </p:txBody>
-      </p:sp>
-      <p:pic>
-        <p:nvPicPr>
-          <p:cNvPr id="1028" name="Picture 4" descr="http://chirana-east.ru/files/smoking/7.jpg"/>
-          <p:cNvPicPr>
-            <a:picLocks noChangeAspect="1" noChangeArrowheads="1"/>
-          </p:cNvPicPr>
-          <p:nvPr/>
-        </p:nvPicPr>
-        <p:blipFill>
-          <a:blip r:embed="rId3" cstate="print">
-            <a:extLst>
-              <a:ext uri="{28A0092B-C50C-407E-A947-70E740481C1C}">
-                <a14:useLocalDpi xmlns:a14="http://schemas.microsoft.com/office/drawing/2010/main" val="0"/>
-              </a:ext>
-            </a:extLst>
-          </a:blip>
-          <a:srcRect/>
-          <a:stretch>
-            <a:fillRect/>
-          </a:stretch>
-        </p:blipFill>
-        <p:spPr bwMode="auto">
-          <a:xfrm>
-            <a:off x="6040513" y="4255806"/>
-            <a:ext cx="1729020" cy="2317622"/>
-          </a:xfrm>
-          <a:prstGeom prst="rect">
-            <a:avLst/>
-          </a:prstGeom>
-          <a:noFill/>
-          <a:extLst>
-            <a:ext uri="{909E8E84-426E-40DD-AFC4-6F175D3DCCD1}">
-              <a14:hiddenFill xmlns:a14="http://schemas.microsoft.com/office/drawing/2010/main">
-                <a:solidFill>
-                  <a:srgbClr val="FFFFFF"/>
-                </a:solidFill>
-              </a14:hiddenFill>
-            </a:ext>
-          </a:extLst>
-        </p:spPr>
       </p:pic>
     </p:spTree>
     <p:extLst>
       <p:ext uri="{BB962C8B-B14F-4D97-AF65-F5344CB8AC3E}">
-        <p14:creationId xmlns:p14="http://schemas.microsoft.com/office/powerpoint/2010/main" val="659714967"/>
+        <p14:creationId xmlns:p14="http://schemas.microsoft.com/office/powerpoint/2010/main" val="633993582"/>
       </p:ext>
     </p:extLst>
   </p:cSld>
@@ -8387,267 +7714,29 @@
             <p:ph type="title"/>
           </p:nvPr>
         </p:nvSpPr>
-        <p:spPr/>
-        <p:txBody>
-          <a:bodyPr/>
-          <a:lstStyle/>
-          <a:p>
-            <a:pPr algn="ctr"/>
-            <a:r>
-              <a:rPr lang="en-US" dirty="0"/>
-              <a:t>Interpretive Methods: what’s really happening?</a:t>
-            </a:r>
-            <a:endParaRPr lang="ru-RU" dirty="0"/>
-          </a:p>
-        </p:txBody>
-      </p:sp>
-      <p:pic>
-        <p:nvPicPr>
-          <p:cNvPr id="4" name="Рисунок 3"/>
-          <p:cNvPicPr>
-            <a:picLocks noChangeAspect="1"/>
-          </p:cNvPicPr>
-          <p:nvPr/>
-        </p:nvPicPr>
-        <p:blipFill>
-          <a:blip r:embed="rId2"/>
-          <a:stretch>
-            <a:fillRect/>
-          </a:stretch>
-        </p:blipFill>
         <p:spPr>
           <a:xfrm>
-            <a:off x="1256974" y="2105929"/>
-            <a:ext cx="7437387" cy="4265685"/>
+            <a:off x="669518" y="2149230"/>
+            <a:ext cx="8596668" cy="1320800"/>
           </a:xfrm>
-          <a:prstGeom prst="rect">
-            <a:avLst/>
-          </a:prstGeom>
         </p:spPr>
-      </p:pic>
+        <p:txBody>
+          <a:bodyPr/>
+          <a:lstStyle/>
+          <a:p>
+            <a:pPr algn="ctr"/>
+            <a:r>
+              <a:rPr lang="en-US" dirty="0" smtClean="0"/>
+              <a:t>Thank you for your attention!</a:t>
+            </a:r>
+            <a:endParaRPr lang="ru-RU" dirty="0"/>
+          </a:p>
+        </p:txBody>
+      </p:sp>
     </p:spTree>
     <p:extLst>
       <p:ext uri="{BB962C8B-B14F-4D97-AF65-F5344CB8AC3E}">
-        <p14:creationId xmlns:p14="http://schemas.microsoft.com/office/powerpoint/2010/main" val="3772926769"/>
-      </p:ext>
-    </p:extLst>
-  </p:cSld>
-  <p:clrMapOvr>
-    <a:masterClrMapping/>
-  </p:clrMapOvr>
-  <p:timing>
-    <p:tnLst>
-      <p:par>
-        <p:cTn id="1" dur="indefinite" restart="never" nodeType="tmRoot"/>
-      </p:par>
-    </p:tnLst>
-  </p:timing>
-</p:sld>
-</file>
-
-<file path=ppt/slides/slide9.xml><?xml version="1.0" encoding="utf-8"?>
-<p:sld xmlns:a="http://schemas.openxmlformats.org/drawingml/2006/main" xmlns:r="http://schemas.openxmlformats.org/officeDocument/2006/relationships" xmlns:p="http://schemas.openxmlformats.org/presentationml/2006/main">
-  <p:cSld>
-    <p:spTree>
-      <p:nvGrpSpPr>
-        <p:cNvPr id="1" name=""/>
-        <p:cNvGrpSpPr/>
-        <p:nvPr/>
-      </p:nvGrpSpPr>
-      <p:grpSpPr>
-        <a:xfrm>
-          <a:off x="0" y="0"/>
-          <a:ext cx="0" cy="0"/>
-          <a:chOff x="0" y="0"/>
-          <a:chExt cx="0" cy="0"/>
-        </a:xfrm>
-      </p:grpSpPr>
-      <p:sp>
-        <p:nvSpPr>
-          <p:cNvPr id="2" name="Заголовок 1"/>
-          <p:cNvSpPr>
-            <a:spLocks noGrp="1"/>
-          </p:cNvSpPr>
-          <p:nvPr>
-            <p:ph type="title"/>
-          </p:nvPr>
-        </p:nvSpPr>
-        <p:spPr/>
-        <p:txBody>
-          <a:bodyPr/>
-          <a:lstStyle/>
-          <a:p>
-            <a:pPr algn="ctr"/>
-            <a:r>
-              <a:rPr lang="en-US" dirty="0" smtClean="0"/>
-              <a:t>Social causes</a:t>
-            </a:r>
-            <a:endParaRPr lang="ru-RU" dirty="0"/>
-          </a:p>
-        </p:txBody>
-      </p:sp>
-      <p:sp>
-        <p:nvSpPr>
-          <p:cNvPr id="3" name="Прямоугольник 2"/>
-          <p:cNvSpPr/>
-          <p:nvPr/>
-        </p:nvSpPr>
-        <p:spPr>
-          <a:xfrm>
-            <a:off x="170917" y="2152906"/>
-            <a:ext cx="2287574" cy="646331"/>
-          </a:xfrm>
-          <a:prstGeom prst="rect">
-            <a:avLst/>
-          </a:prstGeom>
-        </p:spPr>
-        <p:txBody>
-          <a:bodyPr wrap="square">
-            <a:spAutoFit/>
-          </a:bodyPr>
-          <a:lstStyle/>
-          <a:p>
-            <a:pPr algn="ctr"/>
-            <a:r>
-              <a:rPr lang="en-US" dirty="0" smtClean="0"/>
-              <a:t>to Improve x-ray medicine </a:t>
-            </a:r>
-            <a:endParaRPr lang="ru-RU" dirty="0"/>
-          </a:p>
-        </p:txBody>
-      </p:sp>
-      <p:sp>
-        <p:nvSpPr>
-          <p:cNvPr id="5" name="Прямоугольник 4"/>
-          <p:cNvSpPr/>
-          <p:nvPr/>
-        </p:nvSpPr>
-        <p:spPr>
-          <a:xfrm>
-            <a:off x="170917" y="4622536"/>
-            <a:ext cx="1951175" cy="646331"/>
-          </a:xfrm>
-          <a:prstGeom prst="rect">
-            <a:avLst/>
-          </a:prstGeom>
-        </p:spPr>
-        <p:txBody>
-          <a:bodyPr wrap="none">
-            <a:spAutoFit/>
-          </a:bodyPr>
-          <a:lstStyle/>
-          <a:p>
-            <a:pPr algn="ctr"/>
-            <a:r>
-              <a:rPr lang="en-US" dirty="0" smtClean="0"/>
-              <a:t>to take </a:t>
-            </a:r>
-            <a:r>
-              <a:rPr lang="en-US" dirty="0"/>
-              <a:t>care </a:t>
-            </a:r>
-            <a:endParaRPr lang="en-US" dirty="0" smtClean="0"/>
-          </a:p>
-          <a:p>
-            <a:pPr algn="ctr"/>
-            <a:r>
-              <a:rPr lang="en-US" dirty="0" smtClean="0"/>
-              <a:t>of </a:t>
-            </a:r>
-            <a:r>
-              <a:rPr lang="en-US" dirty="0"/>
-              <a:t>elderly people</a:t>
-            </a:r>
-            <a:endParaRPr lang="ru-RU" dirty="0"/>
-          </a:p>
-        </p:txBody>
-      </p:sp>
-      <p:pic>
-        <p:nvPicPr>
-          <p:cNvPr id="2050" name="Picture 2" descr="http://www.csectioncomics.com/csectioncomics/images/fb-cover-photos/facebook-cover-photo-x-ray-c-section-comics.jpg"/>
-          <p:cNvPicPr>
-            <a:picLocks noChangeAspect="1" noChangeArrowheads="1"/>
-          </p:cNvPicPr>
-          <p:nvPr/>
-        </p:nvPicPr>
-        <p:blipFill>
-          <a:blip r:embed="rId2">
-            <a:extLst>
-              <a:ext uri="{28A0092B-C50C-407E-A947-70E740481C1C}">
-                <a14:useLocalDpi xmlns:a14="http://schemas.microsoft.com/office/drawing/2010/main" val="0"/>
-              </a:ext>
-            </a:extLst>
-          </a:blip>
-          <a:srcRect/>
-          <a:stretch>
-            <a:fillRect/>
-          </a:stretch>
-        </p:blipFill>
-        <p:spPr bwMode="auto">
-          <a:xfrm>
-            <a:off x="2330305" y="1412056"/>
-            <a:ext cx="6617142" cy="2449354"/>
-          </a:xfrm>
-          <a:prstGeom prst="rect">
-            <a:avLst/>
-          </a:prstGeom>
-          <a:noFill/>
-          <a:extLst>
-            <a:ext uri="{909E8E84-426E-40DD-AFC4-6F175D3DCCD1}">
-              <a14:hiddenFill xmlns:a14="http://schemas.microsoft.com/office/drawing/2010/main">
-                <a:solidFill>
-                  <a:srgbClr val="FFFFFF"/>
-                </a:solidFill>
-              </a14:hiddenFill>
-            </a:ext>
-          </a:extLst>
-        </p:spPr>
-      </p:pic>
-      <p:pic>
-        <p:nvPicPr>
-          <p:cNvPr id="2052" name="Picture 4" descr="http://www.hamdulayheartfoundation.com/wp-content/uploads/2014/10/prevention.jpg"/>
-          <p:cNvPicPr>
-            <a:picLocks noChangeAspect="1" noChangeArrowheads="1"/>
-          </p:cNvPicPr>
-          <p:nvPr/>
-        </p:nvPicPr>
-        <p:blipFill>
-          <a:blip r:embed="rId3">
-            <a:extLst>
-              <a:ext uri="{28A0092B-C50C-407E-A947-70E740481C1C}">
-                <a14:useLocalDpi xmlns:a14="http://schemas.microsoft.com/office/drawing/2010/main" val="0"/>
-              </a:ext>
-            </a:extLst>
-          </a:blip>
-          <a:srcRect/>
-          <a:stretch>
-            <a:fillRect/>
-          </a:stretch>
-        </p:blipFill>
-        <p:spPr bwMode="auto">
-          <a:xfrm>
-            <a:off x="3178054" y="4067006"/>
-            <a:ext cx="4631079" cy="2607065"/>
-          </a:xfrm>
-          <a:prstGeom prst="rect">
-            <a:avLst/>
-          </a:prstGeom>
-          <a:noFill/>
-          <a:extLst>
-            <a:ext uri="{909E8E84-426E-40DD-AFC4-6F175D3DCCD1}">
-              <a14:hiddenFill xmlns:a14="http://schemas.microsoft.com/office/drawing/2010/main">
-                <a:solidFill>
-                  <a:srgbClr val="FFFFFF"/>
-                </a:solidFill>
-              </a14:hiddenFill>
-            </a:ext>
-          </a:extLst>
-        </p:spPr>
-      </p:pic>
-    </p:spTree>
-    <p:extLst>
-      <p:ext uri="{BB962C8B-B14F-4D97-AF65-F5344CB8AC3E}">
-        <p14:creationId xmlns:p14="http://schemas.microsoft.com/office/powerpoint/2010/main" val="81821522"/>
+        <p14:creationId xmlns:p14="http://schemas.microsoft.com/office/powerpoint/2010/main" val="3087094628"/>
       </p:ext>
     </p:extLst>
   </p:cSld>
@@ -8915,7 +8004,7 @@
   <a:extraClrSchemeLst/>
   <a:extLst>
     <a:ext uri="{05A4C25C-085E-4340-85A3-A5531E510DB2}">
-      <thm15:themeFamily xmlns:thm15="http://schemas.microsoft.com/office/thememl/2012/main" name="Facet" id="{C0C680CD-088A-49FC-A102-D699147F32B2}" vid="{CFBC31BA-B70F-4F30-BCAA-4F3011E16C4D}"/>
+      <thm15:themeFamily xmlns="" xmlns:thm15="http://schemas.microsoft.com/office/thememl/2012/main" name="Facet" id="{C0C680CD-088A-49FC-A102-D699147F32B2}" vid="{CFBC31BA-B70F-4F30-BCAA-4F3011E16C4D}"/>
     </a:ext>
   </a:extLst>
 </a:theme>

--- a/My_laboratory/My_laboratory.pptx
+++ b/My_laboratory/My_laboratory.pptx
@@ -113,7 +113,7 @@
   </p:defaultTextStyle>
   <p:extLst>
     <p:ext uri="{EFAFB233-063F-42B5-8137-9DF3F51BA10A}">
-      <p15:sldGuideLst xmlns="" xmlns:p15="http://schemas.microsoft.com/office/powerpoint/2012/main">
+      <p15:sldGuideLst xmlns:p15="http://schemas.microsoft.com/office/powerpoint/2012/main" xmlns="">
         <p15:guide id="1" orient="horz" pos="2160">
           <p15:clr>
             <a:srgbClr val="A4A3A4"/>
@@ -852,7 +852,7 @@
           <a:p>
             <a:fld id="{252F7152-2E34-4CF8-96E1-9C0B6BE1AFF1}" type="datetimeFigureOut">
               <a:rPr lang="ru-RU" smtClean="0"/>
-              <a:t>19.04.2015</a:t>
+              <a:t>20.04.2015</a:t>
             </a:fld>
             <a:endParaRPr lang="ru-RU"/>
           </a:p>
@@ -1103,7 +1103,7 @@
           <a:p>
             <a:fld id="{252F7152-2E34-4CF8-96E1-9C0B6BE1AFF1}" type="datetimeFigureOut">
               <a:rPr lang="ru-RU" smtClean="0"/>
-              <a:t>19.04.2015</a:t>
+              <a:t>20.04.2015</a:t>
             </a:fld>
             <a:endParaRPr lang="ru-RU"/>
           </a:p>
@@ -1417,7 +1417,7 @@
           <a:p>
             <a:fld id="{252F7152-2E34-4CF8-96E1-9C0B6BE1AFF1}" type="datetimeFigureOut">
               <a:rPr lang="ru-RU" smtClean="0"/>
-              <a:t>19.04.2015</a:t>
+              <a:t>20.04.2015</a:t>
             </a:fld>
             <a:endParaRPr lang="ru-RU"/>
           </a:p>
@@ -1758,7 +1758,7 @@
           <a:p>
             <a:fld id="{252F7152-2E34-4CF8-96E1-9C0B6BE1AFF1}" type="datetimeFigureOut">
               <a:rPr lang="ru-RU" smtClean="0"/>
-              <a:t>19.04.2015</a:t>
+              <a:t>20.04.2015</a:t>
             </a:fld>
             <a:endParaRPr lang="ru-RU"/>
           </a:p>
@@ -2072,7 +2072,7 @@
           <a:p>
             <a:fld id="{252F7152-2E34-4CF8-96E1-9C0B6BE1AFF1}" type="datetimeFigureOut">
               <a:rPr lang="ru-RU" smtClean="0"/>
-              <a:t>19.04.2015</a:t>
+              <a:t>20.04.2015</a:t>
             </a:fld>
             <a:endParaRPr lang="ru-RU"/>
           </a:p>
@@ -2465,7 +2465,7 @@
           <a:p>
             <a:fld id="{252F7152-2E34-4CF8-96E1-9C0B6BE1AFF1}" type="datetimeFigureOut">
               <a:rPr lang="ru-RU" smtClean="0"/>
-              <a:t>19.04.2015</a:t>
+              <a:t>20.04.2015</a:t>
             </a:fld>
             <a:endParaRPr lang="ru-RU"/>
           </a:p>
@@ -2635,7 +2635,7 @@
           <a:p>
             <a:fld id="{252F7152-2E34-4CF8-96E1-9C0B6BE1AFF1}" type="datetimeFigureOut">
               <a:rPr lang="ru-RU" smtClean="0"/>
-              <a:t>19.04.2015</a:t>
+              <a:t>20.04.2015</a:t>
             </a:fld>
             <a:endParaRPr lang="ru-RU"/>
           </a:p>
@@ -2815,7 +2815,7 @@
           <a:p>
             <a:fld id="{252F7152-2E34-4CF8-96E1-9C0B6BE1AFF1}" type="datetimeFigureOut">
               <a:rPr lang="ru-RU" smtClean="0"/>
-              <a:t>19.04.2015</a:t>
+              <a:t>20.04.2015</a:t>
             </a:fld>
             <a:endParaRPr lang="ru-RU"/>
           </a:p>
@@ -2991,7 +2991,7 @@
           <a:p>
             <a:fld id="{252F7152-2E34-4CF8-96E1-9C0B6BE1AFF1}" type="datetimeFigureOut">
               <a:rPr lang="ru-RU" smtClean="0"/>
-              <a:t>19.04.2015</a:t>
+              <a:t>20.04.2015</a:t>
             </a:fld>
             <a:endParaRPr lang="ru-RU"/>
           </a:p>
@@ -3238,7 +3238,7 @@
           <a:p>
             <a:fld id="{252F7152-2E34-4CF8-96E1-9C0B6BE1AFF1}" type="datetimeFigureOut">
               <a:rPr lang="ru-RU" smtClean="0"/>
-              <a:t>19.04.2015</a:t>
+              <a:t>20.04.2015</a:t>
             </a:fld>
             <a:endParaRPr lang="ru-RU"/>
           </a:p>
@@ -3470,7 +3470,7 @@
           <a:p>
             <a:fld id="{252F7152-2E34-4CF8-96E1-9C0B6BE1AFF1}" type="datetimeFigureOut">
               <a:rPr lang="ru-RU" smtClean="0"/>
-              <a:t>19.04.2015</a:t>
+              <a:t>20.04.2015</a:t>
             </a:fld>
             <a:endParaRPr lang="ru-RU"/>
           </a:p>
@@ -3844,7 +3844,7 @@
           <a:p>
             <a:fld id="{252F7152-2E34-4CF8-96E1-9C0B6BE1AFF1}" type="datetimeFigureOut">
               <a:rPr lang="ru-RU" smtClean="0"/>
-              <a:t>19.04.2015</a:t>
+              <a:t>20.04.2015</a:t>
             </a:fld>
             <a:endParaRPr lang="ru-RU"/>
           </a:p>
@@ -3967,7 +3967,7 @@
           <a:p>
             <a:fld id="{252F7152-2E34-4CF8-96E1-9C0B6BE1AFF1}" type="datetimeFigureOut">
               <a:rPr lang="ru-RU" smtClean="0"/>
-              <a:t>19.04.2015</a:t>
+              <a:t>20.04.2015</a:t>
             </a:fld>
             <a:endParaRPr lang="ru-RU"/>
           </a:p>
@@ -4062,7 +4062,7 @@
           <a:p>
             <a:fld id="{252F7152-2E34-4CF8-96E1-9C0B6BE1AFF1}" type="datetimeFigureOut">
               <a:rPr lang="ru-RU" smtClean="0"/>
-              <a:t>19.04.2015</a:t>
+              <a:t>20.04.2015</a:t>
             </a:fld>
             <a:endParaRPr lang="ru-RU"/>
           </a:p>
@@ -4317,7 +4317,7 @@
           <a:p>
             <a:fld id="{252F7152-2E34-4CF8-96E1-9C0B6BE1AFF1}" type="datetimeFigureOut">
               <a:rPr lang="ru-RU" smtClean="0"/>
-              <a:t>19.04.2015</a:t>
+              <a:t>20.04.2015</a:t>
             </a:fld>
             <a:endParaRPr lang="ru-RU"/>
           </a:p>
@@ -4580,7 +4580,7 @@
           <a:p>
             <a:fld id="{252F7152-2E34-4CF8-96E1-9C0B6BE1AFF1}" type="datetimeFigureOut">
               <a:rPr lang="ru-RU" smtClean="0"/>
-              <a:t>19.04.2015</a:t>
+              <a:t>20.04.2015</a:t>
             </a:fld>
             <a:endParaRPr lang="ru-RU"/>
           </a:p>
@@ -5323,7 +5323,7 @@
           <a:p>
             <a:fld id="{252F7152-2E34-4CF8-96E1-9C0B6BE1AFF1}" type="datetimeFigureOut">
               <a:rPr lang="ru-RU" smtClean="0"/>
-              <a:t>19.04.2015</a:t>
+              <a:t>20.04.2015</a:t>
             </a:fld>
             <a:endParaRPr lang="ru-RU"/>
           </a:p>
@@ -6049,19 +6049,40 @@
           </a:p>
           <a:p>
             <a:r>
+              <a:rPr lang="en-US" dirty="0"/>
+              <a:t>Low dose Digital Radiographic Installation</a:t>
+            </a:r>
+            <a:r>
+              <a:rPr lang="ru-RU" dirty="0"/>
+              <a:t> (</a:t>
+            </a:r>
+            <a:r>
+              <a:rPr lang="en-US" dirty="0"/>
+              <a:t>Siberia</a:t>
+            </a:r>
+            <a:r>
+              <a:rPr lang="ru-RU" dirty="0" smtClean="0"/>
+              <a:t>)</a:t>
+            </a:r>
+          </a:p>
+          <a:p>
+            <a:r>
+              <a:rPr lang="en-US" dirty="0"/>
+              <a:t>X-ray inspection system (</a:t>
+            </a:r>
+            <a:r>
+              <a:rPr lang="en-US" dirty="0" err="1"/>
+              <a:t>Sibscan</a:t>
+            </a:r>
+            <a:r>
               <a:rPr lang="en-US" dirty="0" smtClean="0"/>
-              <a:t>Analysis method</a:t>
-            </a:r>
+              <a:t>)</a:t>
+            </a:r>
+            <a:endParaRPr lang="ru-RU" dirty="0" smtClean="0"/>
           </a:p>
           <a:p>
             <a:r>
               <a:rPr lang="en-US" dirty="0" smtClean="0"/>
-              <a:t>Prospection method</a:t>
-            </a:r>
-          </a:p>
-          <a:p>
-            <a:r>
-              <a:rPr lang="en-US" dirty="0"/>
               <a:t>Concluding </a:t>
             </a:r>
             <a:r>
@@ -6079,7 +6100,7 @@
         </p:nvSpPr>
         <p:spPr>
           <a:xfrm>
-            <a:off x="5529128" y="1538243"/>
+            <a:off x="6905001" y="723050"/>
             <a:ext cx="3717421" cy="1538243"/>
           </a:xfrm>
           <a:prstGeom prst="wedgeEllipseCallout">
@@ -6122,7 +6143,7 @@
         </p:nvSpPr>
         <p:spPr>
           <a:xfrm>
-            <a:off x="6768267" y="2122698"/>
+            <a:off x="7998861" y="1307505"/>
             <a:ext cx="1750501" cy="369332"/>
           </a:xfrm>
           <a:prstGeom prst="rect">
@@ -8004,7 +8025,7 @@
   <a:extraClrSchemeLst/>
   <a:extLst>
     <a:ext uri="{05A4C25C-085E-4340-85A3-A5531E510DB2}">
-      <thm15:themeFamily xmlns="" xmlns:thm15="http://schemas.microsoft.com/office/thememl/2012/main" name="Facet" id="{C0C680CD-088A-49FC-A102-D699147F32B2}" vid="{CFBC31BA-B70F-4F30-BCAA-4F3011E16C4D}"/>
+      <thm15:themeFamily xmlns:thm15="http://schemas.microsoft.com/office/thememl/2012/main" xmlns="" name="Facet" id="{C0C680CD-088A-49FC-A102-D699147F32B2}" vid="{CFBC31BA-B70F-4F30-BCAA-4F3011E16C4D}"/>
     </a:ext>
   </a:extLst>
 </a:theme>

--- a/My_laboratory/My_laboratory.pptx
+++ b/My_laboratory/My_laboratory.pptx
@@ -113,7 +113,7 @@
   </p:defaultTextStyle>
   <p:extLst>
     <p:ext uri="{EFAFB233-063F-42B5-8137-9DF3F51BA10A}">
-      <p15:sldGuideLst xmlns:p15="http://schemas.microsoft.com/office/powerpoint/2012/main" xmlns="">
+      <p15:sldGuideLst xmlns:p15="http://schemas.microsoft.com/office/powerpoint/2012/main">
         <p15:guide id="1" orient="horz" pos="2160">
           <p15:clr>
             <a:srgbClr val="A4A3A4"/>
@@ -6083,11 +6083,7 @@
           <a:p>
             <a:r>
               <a:rPr lang="en-US" dirty="0" smtClean="0"/>
-              <a:t>Concluding </a:t>
-            </a:r>
-            <a:r>
-              <a:rPr lang="en-US" dirty="0" smtClean="0"/>
-              <a:t>comments</a:t>
+              <a:t>Concluding comments</a:t>
             </a:r>
           </a:p>
         </p:txBody>
@@ -6332,10 +6328,6 @@
           <a:p>
             <a:pPr algn="ctr"/>
             <a:r>
-              <a:rPr lang="ru-RU" dirty="0" err="1" smtClean="0"/>
-              <a:t>Shechtman</a:t>
-            </a:r>
-            <a:r>
               <a:rPr lang="en-US" dirty="0" smtClean="0"/>
               <a:t> </a:t>
             </a:r>
@@ -6344,8 +6336,12 @@
               <a:t>Lev</a:t>
             </a:r>
             <a:r>
-              <a:rPr lang="en-US" dirty="0"/>
+              <a:rPr lang="ru-RU" dirty="0"/>
               <a:t> </a:t>
+            </a:r>
+            <a:r>
+              <a:rPr lang="ru-RU" dirty="0" err="1"/>
+              <a:t>Shechtman</a:t>
             </a:r>
             <a:endParaRPr lang="en-US" dirty="0" smtClean="0"/>
           </a:p>
@@ -8025,7 +8021,7 @@
   <a:extraClrSchemeLst/>
   <a:extLst>
     <a:ext uri="{05A4C25C-085E-4340-85A3-A5531E510DB2}">
-      <thm15:themeFamily xmlns:thm15="http://schemas.microsoft.com/office/thememl/2012/main" xmlns="" name="Facet" id="{C0C680CD-088A-49FC-A102-D699147F32B2}" vid="{CFBC31BA-B70F-4F30-BCAA-4F3011E16C4D}"/>
+      <thm15:themeFamily xmlns:thm15="http://schemas.microsoft.com/office/thememl/2012/main" name="Facet" id="{C0C680CD-088A-49FC-A102-D699147F32B2}" vid="{CFBC31BA-B70F-4F30-BCAA-4F3011E16C4D}"/>
     </a:ext>
   </a:extLst>
 </a:theme>
